--- a/ccpa pro vs fl and capacity 15032020.pptx
+++ b/ccpa pro vs fl and capacity 15032020.pptx
@@ -5,21 +5,23 @@
     <p:sldMasterId id="2147483648" r:id="rId1"/>
   </p:sldMasterIdLst>
   <p:sldIdLst>
-    <p:sldId id="259" r:id="rId2"/>
-    <p:sldId id="260" r:id="rId3"/>
-    <p:sldId id="265" r:id="rId4"/>
-    <p:sldId id="266" r:id="rId5"/>
-    <p:sldId id="261" r:id="rId6"/>
-    <p:sldId id="262" r:id="rId7"/>
-    <p:sldId id="263" r:id="rId8"/>
-    <p:sldId id="264" r:id="rId9"/>
-    <p:sldId id="270" r:id="rId10"/>
-    <p:sldId id="267" r:id="rId11"/>
-    <p:sldId id="268" r:id="rId12"/>
-    <p:sldId id="269" r:id="rId13"/>
-    <p:sldId id="271" r:id="rId14"/>
-    <p:sldId id="256" r:id="rId15"/>
-    <p:sldId id="258" r:id="rId16"/>
+    <p:sldId id="272" r:id="rId2"/>
+    <p:sldId id="273" r:id="rId3"/>
+    <p:sldId id="259" r:id="rId4"/>
+    <p:sldId id="260" r:id="rId5"/>
+    <p:sldId id="265" r:id="rId6"/>
+    <p:sldId id="266" r:id="rId7"/>
+    <p:sldId id="261" r:id="rId8"/>
+    <p:sldId id="262" r:id="rId9"/>
+    <p:sldId id="263" r:id="rId10"/>
+    <p:sldId id="264" r:id="rId11"/>
+    <p:sldId id="270" r:id="rId12"/>
+    <p:sldId id="267" r:id="rId13"/>
+    <p:sldId id="268" r:id="rId14"/>
+    <p:sldId id="269" r:id="rId15"/>
+    <p:sldId id="271" r:id="rId16"/>
+    <p:sldId id="256" r:id="rId17"/>
+    <p:sldId id="258" r:id="rId18"/>
   </p:sldIdLst>
   <p:sldSz cx="12192000" cy="6858000"/>
   <p:notesSz cx="6858000" cy="9144000"/>
@@ -255,7 +257,7 @@
           <a:p>
             <a:fld id="{FE402831-7C84-45ED-937B-1A32EA435F21}" type="datetimeFigureOut">
               <a:rPr lang="en-US" smtClean="0"/>
-              <a:t>3/14/2020</a:t>
+              <a:t>3/18/2020</a:t>
             </a:fld>
             <a:endParaRPr lang="en-US"/>
           </a:p>
@@ -423,7 +425,7 @@
           <a:p>
             <a:fld id="{FE402831-7C84-45ED-937B-1A32EA435F21}" type="datetimeFigureOut">
               <a:rPr lang="en-US" smtClean="0"/>
-              <a:t>3/14/2020</a:t>
+              <a:t>3/18/2020</a:t>
             </a:fld>
             <a:endParaRPr lang="en-US"/>
           </a:p>
@@ -601,7 +603,7 @@
           <a:p>
             <a:fld id="{FE402831-7C84-45ED-937B-1A32EA435F21}" type="datetimeFigureOut">
               <a:rPr lang="en-US" smtClean="0"/>
-              <a:t>3/14/2020</a:t>
+              <a:t>3/18/2020</a:t>
             </a:fld>
             <a:endParaRPr lang="en-US"/>
           </a:p>
@@ -769,7 +771,7 @@
           <a:p>
             <a:fld id="{FE402831-7C84-45ED-937B-1A32EA435F21}" type="datetimeFigureOut">
               <a:rPr lang="en-US" smtClean="0"/>
-              <a:t>3/14/2020</a:t>
+              <a:t>3/18/2020</a:t>
             </a:fld>
             <a:endParaRPr lang="en-US"/>
           </a:p>
@@ -1014,7 +1016,7 @@
           <a:p>
             <a:fld id="{FE402831-7C84-45ED-937B-1A32EA435F21}" type="datetimeFigureOut">
               <a:rPr lang="en-US" smtClean="0"/>
-              <a:t>3/14/2020</a:t>
+              <a:t>3/18/2020</a:t>
             </a:fld>
             <a:endParaRPr lang="en-US"/>
           </a:p>
@@ -1243,7 +1245,7 @@
           <a:p>
             <a:fld id="{FE402831-7C84-45ED-937B-1A32EA435F21}" type="datetimeFigureOut">
               <a:rPr lang="en-US" smtClean="0"/>
-              <a:t>3/14/2020</a:t>
+              <a:t>3/18/2020</a:t>
             </a:fld>
             <a:endParaRPr lang="en-US"/>
           </a:p>
@@ -1607,7 +1609,7 @@
           <a:p>
             <a:fld id="{FE402831-7C84-45ED-937B-1A32EA435F21}" type="datetimeFigureOut">
               <a:rPr lang="en-US" smtClean="0"/>
-              <a:t>3/14/2020</a:t>
+              <a:t>3/18/2020</a:t>
             </a:fld>
             <a:endParaRPr lang="en-US"/>
           </a:p>
@@ -1724,7 +1726,7 @@
           <a:p>
             <a:fld id="{FE402831-7C84-45ED-937B-1A32EA435F21}" type="datetimeFigureOut">
               <a:rPr lang="en-US" smtClean="0"/>
-              <a:t>3/14/2020</a:t>
+              <a:t>3/18/2020</a:t>
             </a:fld>
             <a:endParaRPr lang="en-US"/>
           </a:p>
@@ -1819,7 +1821,7 @@
           <a:p>
             <a:fld id="{FE402831-7C84-45ED-937B-1A32EA435F21}" type="datetimeFigureOut">
               <a:rPr lang="en-US" smtClean="0"/>
-              <a:t>3/14/2020</a:t>
+              <a:t>3/18/2020</a:t>
             </a:fld>
             <a:endParaRPr lang="en-US"/>
           </a:p>
@@ -2094,7 +2096,7 @@
           <a:p>
             <a:fld id="{FE402831-7C84-45ED-937B-1A32EA435F21}" type="datetimeFigureOut">
               <a:rPr lang="en-US" smtClean="0"/>
-              <a:t>3/14/2020</a:t>
+              <a:t>3/18/2020</a:t>
             </a:fld>
             <a:endParaRPr lang="en-US"/>
           </a:p>
@@ -2346,7 +2348,7 @@
           <a:p>
             <a:fld id="{FE402831-7C84-45ED-937B-1A32EA435F21}" type="datetimeFigureOut">
               <a:rPr lang="en-US" smtClean="0"/>
-              <a:t>3/14/2020</a:t>
+              <a:t>3/18/2020</a:t>
             </a:fld>
             <a:endParaRPr lang="en-US"/>
           </a:p>
@@ -2557,7 +2559,7 @@
           <a:p>
             <a:fld id="{FE402831-7C84-45ED-937B-1A32EA435F21}" type="datetimeFigureOut">
               <a:rPr lang="en-US" smtClean="0"/>
-              <a:t>3/14/2020</a:t>
+              <a:t>3/18/2020</a:t>
             </a:fld>
             <a:endParaRPr lang="en-US"/>
           </a:p>
@@ -2964,10 +2966,10 @@
       </p:grpSpPr>
       <p:pic>
         <p:nvPicPr>
-          <p:cNvPr id="1030" name="Picture 6">
+          <p:cNvPr id="1035" name="Picture 11">
             <a:extLst>
               <a:ext uri="{FF2B5EF4-FFF2-40B4-BE49-F238E27FC236}">
-                <a16:creationId xmlns:a16="http://schemas.microsoft.com/office/drawing/2014/main" id="{73A6E480-A6EF-4439-8C0B-56B0C2AA9DAC}"/>
+                <a16:creationId xmlns:a16="http://schemas.microsoft.com/office/drawing/2014/main" id="{EAF9F8CE-22FB-414D-9CAD-DFB3BC6526C4}"/>
               </a:ext>
             </a:extLst>
           </p:cNvPr>
@@ -2991,8 +2993,8 @@
         </p:blipFill>
         <p:spPr bwMode="auto">
           <a:xfrm>
-            <a:off x="3226342" y="3718181"/>
-            <a:ext cx="4362450" cy="2962275"/>
+            <a:off x="8341241" y="261947"/>
+            <a:ext cx="3575411" cy="3167052"/>
           </a:xfrm>
           <a:prstGeom prst="rect">
             <a:avLst/>
@@ -3009,48 +3011,12 @@
           </a:extLst>
         </p:spPr>
       </p:pic>
-      <p:sp>
-        <p:nvSpPr>
-          <p:cNvPr id="4" name="TextBox 3">
-            <a:extLst>
-              <a:ext uri="{FF2B5EF4-FFF2-40B4-BE49-F238E27FC236}">
-                <a16:creationId xmlns:a16="http://schemas.microsoft.com/office/drawing/2014/main" id="{FC00FE9B-AF63-4FD3-BB0A-2047EF1C8DF0}"/>
-              </a:ext>
-            </a:extLst>
-          </p:cNvPr>
-          <p:cNvSpPr txBox="1"/>
-          <p:nvPr/>
-        </p:nvSpPr>
-        <p:spPr>
-          <a:xfrm>
-            <a:off x="4074850" y="328474"/>
-            <a:ext cx="4528932" cy="369332"/>
-          </a:xfrm>
-          <a:prstGeom prst="rect">
-            <a:avLst/>
-          </a:prstGeom>
-          <a:noFill/>
-        </p:spPr>
-        <p:txBody>
-          <a:bodyPr wrap="none" rtlCol="0">
-            <a:spAutoFit/>
-          </a:bodyPr>
-          <a:lstStyle/>
-          <a:p>
-            <a:r>
-              <a:rPr lang="en-US" dirty="0"/>
-              <a:t>Total number of cells carrying capacity per day</a:t>
-            </a:r>
-            <a:endParaRPr lang="LID4096" dirty="0"/>
-          </a:p>
-        </p:txBody>
-      </p:sp>
       <p:pic>
         <p:nvPicPr>
           <p:cNvPr id="1026" name="Picture 2">
             <a:extLst>
               <a:ext uri="{FF2B5EF4-FFF2-40B4-BE49-F238E27FC236}">
-                <a16:creationId xmlns:a16="http://schemas.microsoft.com/office/drawing/2014/main" id="{492F154B-DD5F-4D0E-BBC1-1A75EF562D03}"/>
+                <a16:creationId xmlns:a16="http://schemas.microsoft.com/office/drawing/2014/main" id="{977CC5CC-3E9D-44EE-876D-B0E25131BA62}"/>
               </a:ext>
             </a:extLst>
           </p:cNvPr>
@@ -3074,8 +3040,8 @@
         </p:blipFill>
         <p:spPr bwMode="auto">
           <a:xfrm>
-            <a:off x="680936" y="755906"/>
-            <a:ext cx="4181475" cy="2962275"/>
+            <a:off x="705470" y="257174"/>
+            <a:ext cx="3409950" cy="3171825"/>
           </a:xfrm>
           <a:prstGeom prst="rect">
             <a:avLst/>
@@ -3097,7 +3063,7 @@
           <p:cNvPr id="1028" name="Picture 4">
             <a:extLst>
               <a:ext uri="{FF2B5EF4-FFF2-40B4-BE49-F238E27FC236}">
-                <a16:creationId xmlns:a16="http://schemas.microsoft.com/office/drawing/2014/main" id="{13C07931-707A-4C98-8FEF-03B3A4F4C16D}"/>
+                <a16:creationId xmlns:a16="http://schemas.microsoft.com/office/drawing/2014/main" id="{3BD07B0C-8C77-41C2-AE36-8BA60283EA44}"/>
               </a:ext>
             </a:extLst>
           </p:cNvPr>
@@ -3121,8 +3087,8 @@
         </p:blipFill>
         <p:spPr bwMode="auto">
           <a:xfrm>
-            <a:off x="6414783" y="863495"/>
-            <a:ext cx="3962400" cy="2962275"/>
+            <a:off x="705470" y="3733528"/>
+            <a:ext cx="10034486" cy="2721078"/>
           </a:xfrm>
           <a:prstGeom prst="rect">
             <a:avLst/>
@@ -3139,10 +3105,512 @@
           </a:extLst>
         </p:spPr>
       </p:pic>
+      <p:sp>
+        <p:nvSpPr>
+          <p:cNvPr id="5" name="Rectangle 4">
+            <a:extLst>
+              <a:ext uri="{FF2B5EF4-FFF2-40B4-BE49-F238E27FC236}">
+                <a16:creationId xmlns:a16="http://schemas.microsoft.com/office/drawing/2014/main" id="{355BBED5-8CBA-4176-84EE-6C7E6BDCD211}"/>
+              </a:ext>
+            </a:extLst>
+          </p:cNvPr>
+          <p:cNvSpPr/>
+          <p:nvPr/>
+        </p:nvSpPr>
+        <p:spPr>
+          <a:xfrm>
+            <a:off x="10647464" y="3428999"/>
+            <a:ext cx="3294434" cy="1200329"/>
+          </a:xfrm>
+          <a:prstGeom prst="rect">
+            <a:avLst/>
+          </a:prstGeom>
+        </p:spPr>
+        <p:txBody>
+          <a:bodyPr wrap="square">
+            <a:spAutoFit/>
+          </a:bodyPr>
+          <a:lstStyle/>
+          <a:p>
+            <a:r>
+              <a:rPr lang="de-DE" dirty="0"/>
+              <a:t>MIT9313-MED4       0.012255</a:t>
+            </a:r>
+          </a:p>
+          <a:p>
+            <a:r>
+              <a:rPr lang="de-DE" dirty="0"/>
+              <a:t>MIT9312-MIT0604    0.002162</a:t>
+            </a:r>
+          </a:p>
+          <a:p>
+            <a:r>
+              <a:rPr lang="de-DE" dirty="0"/>
+              <a:t>MIT9313-MIT9312    0.000002</a:t>
+            </a:r>
+          </a:p>
+          <a:p>
+            <a:r>
+              <a:rPr lang="de-DE" dirty="0"/>
+              <a:t>Natl2A-MIT9313     0.000228</a:t>
+            </a:r>
+            <a:endParaRPr lang="LID4096" dirty="0"/>
+          </a:p>
+        </p:txBody>
+      </p:sp>
+      <p:grpSp>
+        <p:nvGrpSpPr>
+          <p:cNvPr id="13" name="Group 12">
+            <a:extLst>
+              <a:ext uri="{FF2B5EF4-FFF2-40B4-BE49-F238E27FC236}">
+                <a16:creationId xmlns:a16="http://schemas.microsoft.com/office/drawing/2014/main" id="{D52816BD-DA72-48AD-B311-594002D6AABD}"/>
+              </a:ext>
+            </a:extLst>
+          </p:cNvPr>
+          <p:cNvGrpSpPr/>
+          <p:nvPr/>
+        </p:nvGrpSpPr>
+        <p:grpSpPr>
+          <a:xfrm>
+            <a:off x="4791134" y="538418"/>
+            <a:ext cx="3222556" cy="3042845"/>
+            <a:chOff x="7517400" y="458200"/>
+            <a:chExt cx="3222556" cy="3042845"/>
+          </a:xfrm>
+        </p:grpSpPr>
+        <p:pic>
+          <p:nvPicPr>
+            <p:cNvPr id="1030" name="Picture 6">
+              <a:extLst>
+                <a:ext uri="{FF2B5EF4-FFF2-40B4-BE49-F238E27FC236}">
+                  <a16:creationId xmlns:a16="http://schemas.microsoft.com/office/drawing/2014/main" id="{AF950920-3170-477D-88B9-351D6729F371}"/>
+                </a:ext>
+              </a:extLst>
+            </p:cNvPr>
+            <p:cNvPicPr>
+              <a:picLocks noChangeAspect="1" noChangeArrowheads="1"/>
+            </p:cNvPicPr>
+            <p:nvPr/>
+          </p:nvPicPr>
+          <p:blipFill>
+            <a:blip r:embed="rId5">
+              <a:extLst>
+                <a:ext uri="{28A0092B-C50C-407E-A947-70E740481C1C}">
+                  <a14:useLocalDpi xmlns:a14="http://schemas.microsoft.com/office/drawing/2010/main" val="0"/>
+                </a:ext>
+              </a:extLst>
+            </a:blip>
+            <a:srcRect/>
+            <a:stretch>
+              <a:fillRect/>
+            </a:stretch>
+          </p:blipFill>
+          <p:spPr bwMode="auto">
+            <a:xfrm>
+              <a:off x="7517400" y="554476"/>
+              <a:ext cx="3222556" cy="2946569"/>
+            </a:xfrm>
+            <a:prstGeom prst="rect">
+              <a:avLst/>
+            </a:prstGeom>
+            <a:noFill/>
+            <a:extLst>
+              <a:ext uri="{909E8E84-426E-40DD-AFC4-6F175D3DCCD1}">
+                <a14:hiddenFill xmlns:a14="http://schemas.microsoft.com/office/drawing/2010/main">
+                  <a:solidFill>
+                    <a:srgbClr val="FFFFFF"/>
+                  </a:solidFill>
+                </a14:hiddenFill>
+              </a:ext>
+            </a:extLst>
+          </p:spPr>
+        </p:pic>
+        <p:grpSp>
+          <p:nvGrpSpPr>
+            <p:cNvPr id="12" name="Group 11">
+              <a:extLst>
+                <a:ext uri="{FF2B5EF4-FFF2-40B4-BE49-F238E27FC236}">
+                  <a16:creationId xmlns:a16="http://schemas.microsoft.com/office/drawing/2014/main" id="{33378580-9D00-4DB8-9479-AD79C0E3C82C}"/>
+                </a:ext>
+              </a:extLst>
+            </p:cNvPr>
+            <p:cNvGrpSpPr/>
+            <p:nvPr/>
+          </p:nvGrpSpPr>
+          <p:grpSpPr>
+            <a:xfrm>
+              <a:off x="8346332" y="458200"/>
+              <a:ext cx="2109317" cy="369332"/>
+              <a:chOff x="8346332" y="458200"/>
+              <a:chExt cx="2109317" cy="369332"/>
+            </a:xfrm>
+          </p:grpSpPr>
+          <p:sp>
+            <p:nvSpPr>
+              <p:cNvPr id="6" name="TextBox 5">
+                <a:extLst>
+                  <a:ext uri="{FF2B5EF4-FFF2-40B4-BE49-F238E27FC236}">
+                    <a16:creationId xmlns:a16="http://schemas.microsoft.com/office/drawing/2014/main" id="{89477D65-C426-45B9-9CE9-661EB5C2CD2B}"/>
+                  </a:ext>
+                </a:extLst>
+              </p:cNvPr>
+              <p:cNvSpPr txBox="1"/>
+              <p:nvPr/>
+            </p:nvSpPr>
+            <p:spPr>
+              <a:xfrm>
+                <a:off x="8346332" y="458200"/>
+                <a:ext cx="439479" cy="369332"/>
+              </a:xfrm>
+              <a:prstGeom prst="rect">
+                <a:avLst/>
+              </a:prstGeom>
+              <a:noFill/>
+            </p:spPr>
+            <p:txBody>
+              <a:bodyPr wrap="none" rtlCol="0">
+                <a:spAutoFit/>
+              </a:bodyPr>
+              <a:lstStyle/>
+              <a:p>
+                <a:r>
+                  <a:rPr lang="en-US" dirty="0"/>
+                  <a:t>AC</a:t>
+                </a:r>
+                <a:endParaRPr lang="LID4096" dirty="0"/>
+              </a:p>
+            </p:txBody>
+          </p:sp>
+          <p:sp>
+            <p:nvSpPr>
+              <p:cNvPr id="7" name="TextBox 6">
+                <a:extLst>
+                  <a:ext uri="{FF2B5EF4-FFF2-40B4-BE49-F238E27FC236}">
+                    <a16:creationId xmlns:a16="http://schemas.microsoft.com/office/drawing/2014/main" id="{61A580AD-0EE3-4B31-8B84-67C4152C7A56}"/>
+                  </a:ext>
+                </a:extLst>
+              </p:cNvPr>
+              <p:cNvSpPr txBox="1"/>
+              <p:nvPr/>
+            </p:nvSpPr>
+            <p:spPr>
+              <a:xfrm>
+                <a:off x="10145949" y="458200"/>
+                <a:ext cx="309700" cy="369332"/>
+              </a:xfrm>
+              <a:prstGeom prst="rect">
+                <a:avLst/>
+              </a:prstGeom>
+              <a:noFill/>
+            </p:spPr>
+            <p:txBody>
+              <a:bodyPr wrap="none" rtlCol="0">
+                <a:spAutoFit/>
+              </a:bodyPr>
+              <a:lstStyle/>
+              <a:p>
+                <a:r>
+                  <a:rPr lang="en-US" dirty="0"/>
+                  <a:t>B</a:t>
+                </a:r>
+                <a:endParaRPr lang="LID4096" dirty="0"/>
+              </a:p>
+            </p:txBody>
+          </p:sp>
+          <p:sp>
+            <p:nvSpPr>
+              <p:cNvPr id="8" name="TextBox 7">
+                <a:extLst>
+                  <a:ext uri="{FF2B5EF4-FFF2-40B4-BE49-F238E27FC236}">
+                    <a16:creationId xmlns:a16="http://schemas.microsoft.com/office/drawing/2014/main" id="{C2E4A20D-48BF-4E2E-BD7B-FBACB62B7DE5}"/>
+                  </a:ext>
+                </a:extLst>
+              </p:cNvPr>
+              <p:cNvSpPr txBox="1"/>
+              <p:nvPr/>
+            </p:nvSpPr>
+            <p:spPr>
+              <a:xfrm>
+                <a:off x="8900809" y="458200"/>
+                <a:ext cx="308098" cy="369332"/>
+              </a:xfrm>
+              <a:prstGeom prst="rect">
+                <a:avLst/>
+              </a:prstGeom>
+              <a:noFill/>
+            </p:spPr>
+            <p:txBody>
+              <a:bodyPr wrap="none" rtlCol="0">
+                <a:spAutoFit/>
+              </a:bodyPr>
+              <a:lstStyle/>
+              <a:p>
+                <a:r>
+                  <a:rPr lang="en-US" dirty="0"/>
+                  <a:t>C</a:t>
+                </a:r>
+                <a:endParaRPr lang="LID4096" dirty="0"/>
+              </a:p>
+            </p:txBody>
+          </p:sp>
+          <p:sp>
+            <p:nvSpPr>
+              <p:cNvPr id="10" name="TextBox 9">
+                <a:extLst>
+                  <a:ext uri="{FF2B5EF4-FFF2-40B4-BE49-F238E27FC236}">
+                    <a16:creationId xmlns:a16="http://schemas.microsoft.com/office/drawing/2014/main" id="{93E28A06-FF4E-4AFC-A5E0-2E4F1E347246}"/>
+                  </a:ext>
+                </a:extLst>
+              </p:cNvPr>
+              <p:cNvSpPr txBox="1"/>
+              <p:nvPr/>
+            </p:nvSpPr>
+            <p:spPr>
+              <a:xfrm>
+                <a:off x="9234509" y="458200"/>
+                <a:ext cx="442750" cy="369332"/>
+              </a:xfrm>
+              <a:prstGeom prst="rect">
+                <a:avLst/>
+              </a:prstGeom>
+              <a:noFill/>
+            </p:spPr>
+            <p:txBody>
+              <a:bodyPr wrap="none" rtlCol="0">
+                <a:spAutoFit/>
+              </a:bodyPr>
+              <a:lstStyle/>
+              <a:p>
+                <a:r>
+                  <a:rPr lang="en-US" dirty="0"/>
+                  <a:t>AB</a:t>
+                </a:r>
+                <a:endParaRPr lang="LID4096" dirty="0"/>
+              </a:p>
+            </p:txBody>
+          </p:sp>
+          <p:sp>
+            <p:nvSpPr>
+              <p:cNvPr id="14" name="TextBox 13">
+                <a:extLst>
+                  <a:ext uri="{FF2B5EF4-FFF2-40B4-BE49-F238E27FC236}">
+                    <a16:creationId xmlns:a16="http://schemas.microsoft.com/office/drawing/2014/main" id="{4E36C031-99B3-4AA3-AC4D-63AE54EFE01A}"/>
+                  </a:ext>
+                </a:extLst>
+              </p:cNvPr>
+              <p:cNvSpPr txBox="1"/>
+              <p:nvPr/>
+            </p:nvSpPr>
+            <p:spPr>
+              <a:xfrm>
+                <a:off x="9683524" y="458200"/>
+                <a:ext cx="439479" cy="369332"/>
+              </a:xfrm>
+              <a:prstGeom prst="rect">
+                <a:avLst/>
+              </a:prstGeom>
+              <a:noFill/>
+            </p:spPr>
+            <p:txBody>
+              <a:bodyPr wrap="none" rtlCol="0">
+                <a:spAutoFit/>
+              </a:bodyPr>
+              <a:lstStyle/>
+              <a:p>
+                <a:r>
+                  <a:rPr lang="en-US" dirty="0"/>
+                  <a:t>AC</a:t>
+                </a:r>
+                <a:endParaRPr lang="LID4096" dirty="0"/>
+              </a:p>
+            </p:txBody>
+          </p:sp>
+        </p:grpSp>
+      </p:grpSp>
+      <p:sp>
+        <p:nvSpPr>
+          <p:cNvPr id="19" name="TextBox 18">
+            <a:extLst>
+              <a:ext uri="{FF2B5EF4-FFF2-40B4-BE49-F238E27FC236}">
+                <a16:creationId xmlns:a16="http://schemas.microsoft.com/office/drawing/2014/main" id="{2AED2917-A073-488D-8CC1-23E67E3413A6}"/>
+              </a:ext>
+            </a:extLst>
+          </p:cNvPr>
+          <p:cNvSpPr txBox="1"/>
+          <p:nvPr/>
+        </p:nvSpPr>
+        <p:spPr>
+          <a:xfrm>
+            <a:off x="9281365" y="390953"/>
+            <a:ext cx="308751" cy="349598"/>
+          </a:xfrm>
+          <a:prstGeom prst="rect">
+            <a:avLst/>
+          </a:prstGeom>
+          <a:noFill/>
+        </p:spPr>
+        <p:txBody>
+          <a:bodyPr wrap="none" rtlCol="0">
+            <a:spAutoFit/>
+          </a:bodyPr>
+          <a:lstStyle/>
+          <a:p>
+            <a:r>
+              <a:rPr lang="en-US" dirty="0"/>
+              <a:t>A</a:t>
+            </a:r>
+            <a:endParaRPr lang="LID4096" dirty="0"/>
+          </a:p>
+        </p:txBody>
+      </p:sp>
+      <p:sp>
+        <p:nvSpPr>
+          <p:cNvPr id="20" name="TextBox 19">
+            <a:extLst>
+              <a:ext uri="{FF2B5EF4-FFF2-40B4-BE49-F238E27FC236}">
+                <a16:creationId xmlns:a16="http://schemas.microsoft.com/office/drawing/2014/main" id="{936FE851-4D7F-41B1-BBE0-1E58D4625416}"/>
+              </a:ext>
+            </a:extLst>
+          </p:cNvPr>
+          <p:cNvSpPr txBox="1"/>
+          <p:nvPr/>
+        </p:nvSpPr>
+        <p:spPr>
+          <a:xfrm>
+            <a:off x="11225091" y="382656"/>
+            <a:ext cx="308751" cy="349598"/>
+          </a:xfrm>
+          <a:prstGeom prst="rect">
+            <a:avLst/>
+          </a:prstGeom>
+          <a:noFill/>
+        </p:spPr>
+        <p:txBody>
+          <a:bodyPr wrap="none" rtlCol="0">
+            <a:spAutoFit/>
+          </a:bodyPr>
+          <a:lstStyle/>
+          <a:p>
+            <a:r>
+              <a:rPr lang="en-US" dirty="0"/>
+              <a:t>A</a:t>
+            </a:r>
+            <a:endParaRPr lang="LID4096" dirty="0"/>
+          </a:p>
+        </p:txBody>
+      </p:sp>
+      <p:sp>
+        <p:nvSpPr>
+          <p:cNvPr id="21" name="TextBox 20">
+            <a:extLst>
+              <a:ext uri="{FF2B5EF4-FFF2-40B4-BE49-F238E27FC236}">
+                <a16:creationId xmlns:a16="http://schemas.microsoft.com/office/drawing/2014/main" id="{25AC2BE6-C540-49F7-BEDE-B68D709AF9ED}"/>
+              </a:ext>
+            </a:extLst>
+          </p:cNvPr>
+          <p:cNvSpPr txBox="1"/>
+          <p:nvPr/>
+        </p:nvSpPr>
+        <p:spPr>
+          <a:xfrm>
+            <a:off x="9820196" y="390953"/>
+            <a:ext cx="308751" cy="349598"/>
+          </a:xfrm>
+          <a:prstGeom prst="rect">
+            <a:avLst/>
+          </a:prstGeom>
+          <a:noFill/>
+        </p:spPr>
+        <p:txBody>
+          <a:bodyPr wrap="none" rtlCol="0">
+            <a:spAutoFit/>
+          </a:bodyPr>
+          <a:lstStyle/>
+          <a:p>
+            <a:r>
+              <a:rPr lang="en-US" dirty="0"/>
+              <a:t>A</a:t>
+            </a:r>
+            <a:endParaRPr lang="LID4096" dirty="0"/>
+          </a:p>
+        </p:txBody>
+      </p:sp>
+      <p:sp>
+        <p:nvSpPr>
+          <p:cNvPr id="22" name="TextBox 21">
+            <a:extLst>
+              <a:ext uri="{FF2B5EF4-FFF2-40B4-BE49-F238E27FC236}">
+                <a16:creationId xmlns:a16="http://schemas.microsoft.com/office/drawing/2014/main" id="{DF064752-749A-4FC1-9BEF-DA93689249A7}"/>
+              </a:ext>
+            </a:extLst>
+          </p:cNvPr>
+          <p:cNvSpPr txBox="1"/>
+          <p:nvPr/>
+        </p:nvSpPr>
+        <p:spPr>
+          <a:xfrm>
+            <a:off x="10273682" y="390953"/>
+            <a:ext cx="308751" cy="349598"/>
+          </a:xfrm>
+          <a:prstGeom prst="rect">
+            <a:avLst/>
+          </a:prstGeom>
+          <a:noFill/>
+        </p:spPr>
+        <p:txBody>
+          <a:bodyPr wrap="square" rtlCol="0">
+            <a:spAutoFit/>
+          </a:bodyPr>
+          <a:lstStyle/>
+          <a:p>
+            <a:r>
+              <a:rPr lang="en-US" dirty="0"/>
+              <a:t>A</a:t>
+            </a:r>
+            <a:endParaRPr lang="LID4096" dirty="0"/>
+          </a:p>
+        </p:txBody>
+      </p:sp>
+      <p:sp>
+        <p:nvSpPr>
+          <p:cNvPr id="23" name="TextBox 22">
+            <a:extLst>
+              <a:ext uri="{FF2B5EF4-FFF2-40B4-BE49-F238E27FC236}">
+                <a16:creationId xmlns:a16="http://schemas.microsoft.com/office/drawing/2014/main" id="{3C869D3F-35D8-4E65-9E44-C73CF4170071}"/>
+              </a:ext>
+            </a:extLst>
+          </p:cNvPr>
+          <p:cNvSpPr txBox="1"/>
+          <p:nvPr/>
+        </p:nvSpPr>
+        <p:spPr>
+          <a:xfrm>
+            <a:off x="10711634" y="390953"/>
+            <a:ext cx="308751" cy="349598"/>
+          </a:xfrm>
+          <a:prstGeom prst="rect">
+            <a:avLst/>
+          </a:prstGeom>
+          <a:noFill/>
+        </p:spPr>
+        <p:txBody>
+          <a:bodyPr wrap="none" rtlCol="0">
+            <a:spAutoFit/>
+          </a:bodyPr>
+          <a:lstStyle/>
+          <a:p>
+            <a:r>
+              <a:rPr lang="en-US" dirty="0"/>
+              <a:t>A</a:t>
+            </a:r>
+            <a:endParaRPr lang="LID4096" dirty="0"/>
+          </a:p>
+        </p:txBody>
+      </p:sp>
     </p:spTree>
     <p:extLst>
       <p:ext uri="{BB962C8B-B14F-4D97-AF65-F5344CB8AC3E}">
-        <p14:creationId xmlns:p14="http://schemas.microsoft.com/office/powerpoint/2010/main" val="1653439177"/>
+        <p14:creationId xmlns:p14="http://schemas.microsoft.com/office/powerpoint/2010/main" val="3451366315"/>
       </p:ext>
     </p:extLst>
   </p:cSld>
@@ -3169,12 +3637,117 @@
           <a:chExt cx="0" cy="0"/>
         </a:xfrm>
       </p:grpSpPr>
+      <p:sp>
+        <p:nvSpPr>
+          <p:cNvPr id="3" name="Rectangle 2">
+            <a:extLst>
+              <a:ext uri="{FF2B5EF4-FFF2-40B4-BE49-F238E27FC236}">
+                <a16:creationId xmlns:a16="http://schemas.microsoft.com/office/drawing/2014/main" id="{E154B489-6C37-4FF9-9437-375FFA9642AC}"/>
+              </a:ext>
+            </a:extLst>
+          </p:cNvPr>
+          <p:cNvSpPr/>
+          <p:nvPr/>
+        </p:nvSpPr>
+        <p:spPr>
+          <a:xfrm>
+            <a:off x="874098" y="4207348"/>
+            <a:ext cx="4126130" cy="369332"/>
+          </a:xfrm>
+          <a:prstGeom prst="rect">
+            <a:avLst/>
+          </a:prstGeom>
+        </p:spPr>
+        <p:txBody>
+          <a:bodyPr wrap="none">
+            <a:spAutoFit/>
+          </a:bodyPr>
+          <a:lstStyle/>
+          <a:p>
+            <a:r>
+              <a:rPr lang="en-US" dirty="0"/>
+              <a:t>PRO cells as function of ALT strain, day=60</a:t>
+            </a:r>
+            <a:endParaRPr lang="LID4096" dirty="0"/>
+          </a:p>
+        </p:txBody>
+      </p:sp>
+      <p:sp>
+        <p:nvSpPr>
+          <p:cNvPr id="5" name="Rectangle 4">
+            <a:extLst>
+              <a:ext uri="{FF2B5EF4-FFF2-40B4-BE49-F238E27FC236}">
+                <a16:creationId xmlns:a16="http://schemas.microsoft.com/office/drawing/2014/main" id="{26C9CBBC-8EE3-42D9-9F57-60D31CCB0155}"/>
+              </a:ext>
+            </a:extLst>
+          </p:cNvPr>
+          <p:cNvSpPr/>
+          <p:nvPr/>
+        </p:nvSpPr>
+        <p:spPr>
+          <a:xfrm>
+            <a:off x="757080" y="4712916"/>
+            <a:ext cx="4243149" cy="369332"/>
+          </a:xfrm>
+          <a:prstGeom prst="rect">
+            <a:avLst/>
+          </a:prstGeom>
+        </p:spPr>
+        <p:txBody>
+          <a:bodyPr wrap="none">
+            <a:spAutoFit/>
+          </a:bodyPr>
+          <a:lstStyle/>
+          <a:p>
+            <a:r>
+              <a:rPr lang="en-US" dirty="0"/>
+              <a:t>PRO cells as function of ALT strain, day=100</a:t>
+            </a:r>
+            <a:endParaRPr lang="LID4096" dirty="0"/>
+          </a:p>
+        </p:txBody>
+      </p:sp>
+      <p:sp>
+        <p:nvSpPr>
+          <p:cNvPr id="7" name="Rectangle 6">
+            <a:extLst>
+              <a:ext uri="{FF2B5EF4-FFF2-40B4-BE49-F238E27FC236}">
+                <a16:creationId xmlns:a16="http://schemas.microsoft.com/office/drawing/2014/main" id="{DFE133A4-FCC3-42E2-AA1F-8877E7752DB8}"/>
+              </a:ext>
+            </a:extLst>
+          </p:cNvPr>
+          <p:cNvSpPr/>
+          <p:nvPr/>
+        </p:nvSpPr>
+        <p:spPr>
+          <a:xfrm>
+            <a:off x="757079" y="5479534"/>
+            <a:ext cx="4243149" cy="369332"/>
+          </a:xfrm>
+          <a:prstGeom prst="rect">
+            <a:avLst/>
+          </a:prstGeom>
+        </p:spPr>
+        <p:txBody>
+          <a:bodyPr wrap="none">
+            <a:spAutoFit/>
+          </a:bodyPr>
+          <a:lstStyle/>
+          <a:p>
+            <a:r>
+              <a:rPr lang="en-US" dirty="0"/>
+              <a:t>PRO cells as function of ALT strain, day=140</a:t>
+            </a:r>
+            <a:endParaRPr lang="LID4096" dirty="0"/>
+          </a:p>
+        </p:txBody>
+      </p:sp>
       <p:pic>
         <p:nvPicPr>
-          <p:cNvPr id="9218" name="Picture 2">
+          <p:cNvPr id="6149" name="Picture 5">
             <a:extLst>
               <a:ext uri="{FF2B5EF4-FFF2-40B4-BE49-F238E27FC236}">
-                <a16:creationId xmlns:a16="http://schemas.microsoft.com/office/drawing/2014/main" id="{9EF31F39-91C3-4124-8533-E7593109A744}"/>
+                <a16:creationId xmlns:a16="http://schemas.microsoft.com/office/drawing/2014/main" id="{4CBFFAAD-E2EA-49F3-BCE1-7CCC80334329}"/>
               </a:ext>
             </a:extLst>
           </p:cNvPr>
@@ -3198,8 +3771,8 @@
         </p:blipFill>
         <p:spPr bwMode="auto">
           <a:xfrm>
-            <a:off x="4008685" y="0"/>
-            <a:ext cx="7475537" cy="6858000"/>
+            <a:off x="683188" y="395905"/>
+            <a:ext cx="10048875" cy="3743325"/>
           </a:xfrm>
           <a:prstGeom prst="rect">
             <a:avLst/>
@@ -3216,52 +3789,10 @@
           </a:extLst>
         </p:spPr>
       </p:pic>
-      <p:sp>
-        <p:nvSpPr>
-          <p:cNvPr id="2" name="TextBox 1">
-            <a:extLst>
-              <a:ext uri="{FF2B5EF4-FFF2-40B4-BE49-F238E27FC236}">
-                <a16:creationId xmlns:a16="http://schemas.microsoft.com/office/drawing/2014/main" id="{28393085-A987-403B-BEB6-46C8F5D14C43}"/>
-              </a:ext>
-            </a:extLst>
-          </p:cNvPr>
-          <p:cNvSpPr txBox="1"/>
-          <p:nvPr/>
-        </p:nvSpPr>
-        <p:spPr>
-          <a:xfrm>
-            <a:off x="630315" y="1127464"/>
-            <a:ext cx="1290225" cy="646331"/>
-          </a:xfrm>
-          <a:prstGeom prst="rect">
-            <a:avLst/>
-          </a:prstGeom>
-          <a:noFill/>
-        </p:spPr>
-        <p:txBody>
-          <a:bodyPr wrap="none" rtlCol="0">
-            <a:spAutoFit/>
-          </a:bodyPr>
-          <a:lstStyle/>
-          <a:p>
-            <a:r>
-              <a:rPr lang="en-US" dirty="0"/>
-              <a:t>Exponential</a:t>
-            </a:r>
-          </a:p>
-          <a:p>
-            <a:r>
-              <a:rPr lang="en-US" dirty="0"/>
-              <a:t>fit</a:t>
-            </a:r>
-            <a:endParaRPr lang="LID4096" dirty="0"/>
-          </a:p>
-        </p:txBody>
-      </p:sp>
     </p:spTree>
     <p:extLst>
       <p:ext uri="{BB962C8B-B14F-4D97-AF65-F5344CB8AC3E}">
-        <p14:creationId xmlns:p14="http://schemas.microsoft.com/office/powerpoint/2010/main" val="3983845277"/>
+        <p14:creationId xmlns:p14="http://schemas.microsoft.com/office/powerpoint/2010/main" val="2417273976"/>
       </p:ext>
     </p:extLst>
   </p:cSld>
@@ -3288,12 +3819,50 @@
           <a:chExt cx="0" cy="0"/>
         </a:xfrm>
       </p:grpSpPr>
+      <p:sp>
+        <p:nvSpPr>
+          <p:cNvPr id="2" name="TextBox 1">
+            <a:extLst>
+              <a:ext uri="{FF2B5EF4-FFF2-40B4-BE49-F238E27FC236}">
+                <a16:creationId xmlns:a16="http://schemas.microsoft.com/office/drawing/2014/main" id="{11914E11-5CD3-4B95-BAFB-0D519DC2CF73}"/>
+              </a:ext>
+            </a:extLst>
+          </p:cNvPr>
+          <p:cNvSpPr txBox="1"/>
+          <p:nvPr/>
+        </p:nvSpPr>
+        <p:spPr>
+          <a:xfrm>
+            <a:off x="594804" y="1793289"/>
+            <a:ext cx="3904530" cy="646331"/>
+          </a:xfrm>
+          <a:prstGeom prst="rect">
+            <a:avLst/>
+          </a:prstGeom>
+          <a:noFill/>
+        </p:spPr>
+        <p:txBody>
+          <a:bodyPr wrap="none" rtlCol="0">
+            <a:spAutoFit/>
+          </a:bodyPr>
+          <a:lstStyle/>
+          <a:p>
+            <a:r>
+              <a:rPr lang="en-US" dirty="0"/>
+              <a:t>Exponential vs harmonic – cell numbers</a:t>
+            </a:r>
+          </a:p>
+          <a:p>
+            <a:endParaRPr lang="LID4096" dirty="0"/>
+          </a:p>
+        </p:txBody>
+      </p:sp>
       <p:pic>
         <p:nvPicPr>
-          <p:cNvPr id="10242" name="Picture 2">
+          <p:cNvPr id="12292" name="Picture 4">
             <a:extLst>
               <a:ext uri="{FF2B5EF4-FFF2-40B4-BE49-F238E27FC236}">
-                <a16:creationId xmlns:a16="http://schemas.microsoft.com/office/drawing/2014/main" id="{46F17E84-F809-4591-AC59-A3DB5F1F911F}"/>
+                <a16:creationId xmlns:a16="http://schemas.microsoft.com/office/drawing/2014/main" id="{2073FBE6-C0D6-4457-826E-8C46F6AD8277}"/>
               </a:ext>
             </a:extLst>
           </p:cNvPr>
@@ -3317,8 +3886,8 @@
         </p:blipFill>
         <p:spPr bwMode="auto">
           <a:xfrm>
-            <a:off x="4328280" y="0"/>
-            <a:ext cx="7475537" cy="6858000"/>
+            <a:off x="4891496" y="403502"/>
+            <a:ext cx="7238559" cy="2389302"/>
           </a:xfrm>
           <a:prstGeom prst="rect">
             <a:avLst/>
@@ -3335,27 +3904,74 @@
           </a:extLst>
         </p:spPr>
       </p:pic>
-      <p:sp>
-        <p:nvSpPr>
-          <p:cNvPr id="2" name="TextBox 1">
+      <p:pic>
+        <p:nvPicPr>
+          <p:cNvPr id="12296" name="Picture 8">
             <a:extLst>
               <a:ext uri="{FF2B5EF4-FFF2-40B4-BE49-F238E27FC236}">
-                <a16:creationId xmlns:a16="http://schemas.microsoft.com/office/drawing/2014/main" id="{918CD30D-2976-4A73-B47D-4F0867004ABD}"/>
+                <a16:creationId xmlns:a16="http://schemas.microsoft.com/office/drawing/2014/main" id="{F52323F6-A41E-4867-8AC8-7DDE2033F6D4}"/>
               </a:ext>
             </a:extLst>
           </p:cNvPr>
-          <p:cNvSpPr txBox="1"/>
+          <p:cNvPicPr>
+            <a:picLocks noChangeAspect="1" noChangeArrowheads="1"/>
+          </p:cNvPicPr>
           <p:nvPr/>
-        </p:nvSpPr>
-        <p:spPr>
-          <a:xfrm>
-            <a:off x="398834" y="1896894"/>
-            <a:ext cx="1404552" cy="369332"/>
+        </p:nvPicPr>
+        <p:blipFill>
+          <a:blip r:embed="rId3">
+            <a:extLst>
+              <a:ext uri="{28A0092B-C50C-407E-A947-70E740481C1C}">
+                <a14:useLocalDpi xmlns:a14="http://schemas.microsoft.com/office/drawing/2010/main" val="0"/>
+              </a:ext>
+            </a:extLst>
+          </a:blip>
+          <a:srcRect/>
+          <a:stretch>
+            <a:fillRect/>
+          </a:stretch>
+        </p:blipFill>
+        <p:spPr bwMode="auto">
+          <a:xfrm>
+            <a:off x="5590466" y="4693097"/>
+            <a:ext cx="5635253" cy="1761401"/>
           </a:xfrm>
           <a:prstGeom prst="rect">
             <a:avLst/>
           </a:prstGeom>
           <a:noFill/>
+          <a:extLst>
+            <a:ext uri="{909E8E84-426E-40DD-AFC4-6F175D3DCCD1}">
+              <a14:hiddenFill xmlns:a14="http://schemas.microsoft.com/office/drawing/2010/main">
+                <a:solidFill>
+                  <a:srgbClr val="FFFFFF"/>
+                </a:solidFill>
+              </a14:hiddenFill>
+            </a:ext>
+          </a:extLst>
+        </p:spPr>
+      </p:pic>
+      <p:sp>
+        <p:nvSpPr>
+          <p:cNvPr id="3" name="TextBox 2">
+            <a:extLst>
+              <a:ext uri="{FF2B5EF4-FFF2-40B4-BE49-F238E27FC236}">
+                <a16:creationId xmlns:a16="http://schemas.microsoft.com/office/drawing/2014/main" id="{7DB9F836-12FA-45B2-A33F-91C24C59DC43}"/>
+              </a:ext>
+            </a:extLst>
+          </p:cNvPr>
+          <p:cNvSpPr txBox="1"/>
+          <p:nvPr/>
+        </p:nvSpPr>
+        <p:spPr>
+          <a:xfrm>
+            <a:off x="9708204" y="6361889"/>
+            <a:ext cx="1432893" cy="369332"/>
+          </a:xfrm>
+          <a:prstGeom prst="rect">
+            <a:avLst/>
+          </a:prstGeom>
+          <a:noFill/>
         </p:spPr>
         <p:txBody>
           <a:bodyPr wrap="none" rtlCol="0">
@@ -3365,16 +3981,101 @@
           <a:p>
             <a:r>
               <a:rPr lang="en-US" dirty="0"/>
-              <a:t>Harmonic fit </a:t>
+              <a:t>Experiment 1</a:t>
             </a:r>
             <a:endParaRPr lang="LID4096" dirty="0"/>
+          </a:p>
+        </p:txBody>
+      </p:sp>
+      <p:pic>
+        <p:nvPicPr>
+          <p:cNvPr id="12298" name="Picture 10">
+            <a:extLst>
+              <a:ext uri="{FF2B5EF4-FFF2-40B4-BE49-F238E27FC236}">
+                <a16:creationId xmlns:a16="http://schemas.microsoft.com/office/drawing/2014/main" id="{FBD9F129-452C-4634-A81E-D0C00653D95D}"/>
+              </a:ext>
+            </a:extLst>
+          </p:cNvPr>
+          <p:cNvPicPr>
+            <a:picLocks noChangeAspect="1" noChangeArrowheads="1"/>
+          </p:cNvPicPr>
+          <p:nvPr/>
+        </p:nvPicPr>
+        <p:blipFill>
+          <a:blip r:embed="rId4" cstate="print">
+            <a:extLst>
+              <a:ext uri="{28A0092B-C50C-407E-A947-70E740481C1C}">
+                <a14:useLocalDpi xmlns:a14="http://schemas.microsoft.com/office/drawing/2010/main" val="0"/>
+              </a:ext>
+            </a:extLst>
+          </a:blip>
+          <a:srcRect/>
+          <a:stretch>
+            <a:fillRect/>
+          </a:stretch>
+        </p:blipFill>
+        <p:spPr bwMode="auto">
+          <a:xfrm>
+            <a:off x="690664" y="5016481"/>
+            <a:ext cx="3570051" cy="1326816"/>
+          </a:xfrm>
+          <a:prstGeom prst="rect">
+            <a:avLst/>
+          </a:prstGeom>
+          <a:noFill/>
+          <a:extLst>
+            <a:ext uri="{909E8E84-426E-40DD-AFC4-6F175D3DCCD1}">
+              <a14:hiddenFill xmlns:a14="http://schemas.microsoft.com/office/drawing/2010/main">
+                <a:solidFill>
+                  <a:srgbClr val="FFFFFF"/>
+                </a:solidFill>
+              </a14:hiddenFill>
+            </a:ext>
+          </a:extLst>
+        </p:spPr>
+      </p:pic>
+      <p:sp>
+        <p:nvSpPr>
+          <p:cNvPr id="4" name="TextBox 3">
+            <a:extLst>
+              <a:ext uri="{FF2B5EF4-FFF2-40B4-BE49-F238E27FC236}">
+                <a16:creationId xmlns:a16="http://schemas.microsoft.com/office/drawing/2014/main" id="{D6C4011F-58E9-456F-9051-D8F3F33E5A72}"/>
+              </a:ext>
+            </a:extLst>
+          </p:cNvPr>
+          <p:cNvSpPr txBox="1"/>
+          <p:nvPr/>
+        </p:nvSpPr>
+        <p:spPr>
+          <a:xfrm>
+            <a:off x="11422810" y="1336543"/>
+            <a:ext cx="707245" cy="261610"/>
+          </a:xfrm>
+          <a:prstGeom prst="rect">
+            <a:avLst/>
+          </a:prstGeom>
+          <a:solidFill>
+            <a:schemeClr val="bg1"/>
+          </a:solidFill>
+        </p:spPr>
+        <p:txBody>
+          <a:bodyPr wrap="none" rtlCol="0">
+            <a:spAutoFit/>
+          </a:bodyPr>
+          <a:lstStyle/>
+          <a:p>
+            <a:r>
+              <a:rPr lang="en-US" sz="1100" dirty="0"/>
+              <a:t>PRO cells</a:t>
+            </a:r>
+            <a:endParaRPr lang="LID4096" sz="1100" dirty="0"/>
           </a:p>
         </p:txBody>
       </p:sp>
     </p:spTree>
     <p:extLst>
       <p:ext uri="{BB962C8B-B14F-4D97-AF65-F5344CB8AC3E}">
-        <p14:creationId xmlns:p14="http://schemas.microsoft.com/office/powerpoint/2010/main" val="1509511125"/>
+        <p14:creationId xmlns:p14="http://schemas.microsoft.com/office/powerpoint/2010/main" val="1859210319"/>
       </p:ext>
     </p:extLst>
   </p:cSld>
@@ -3403,10 +4104,10 @@
       </p:grpSpPr>
       <p:pic>
         <p:nvPicPr>
-          <p:cNvPr id="11266" name="Picture 2">
+          <p:cNvPr id="9218" name="Picture 2">
             <a:extLst>
               <a:ext uri="{FF2B5EF4-FFF2-40B4-BE49-F238E27FC236}">
-                <a16:creationId xmlns:a16="http://schemas.microsoft.com/office/drawing/2014/main" id="{454E9728-0625-414C-B1EB-8FFC748AD6D3}"/>
+                <a16:creationId xmlns:a16="http://schemas.microsoft.com/office/drawing/2014/main" id="{9EF31F39-91C3-4124-8533-E7593109A744}"/>
               </a:ext>
             </a:extLst>
           </p:cNvPr>
@@ -3430,7 +4131,7 @@
         </p:blipFill>
         <p:spPr bwMode="auto">
           <a:xfrm>
-            <a:off x="4308448" y="126459"/>
+            <a:off x="4008685" y="0"/>
             <a:ext cx="7475537" cy="6858000"/>
           </a:xfrm>
           <a:prstGeom prst="rect">
@@ -3453,7 +4154,7 @@
           <p:cNvPr id="2" name="TextBox 1">
             <a:extLst>
               <a:ext uri="{FF2B5EF4-FFF2-40B4-BE49-F238E27FC236}">
-                <a16:creationId xmlns:a16="http://schemas.microsoft.com/office/drawing/2014/main" id="{085A95B8-158A-4A16-B519-5E2CCF791C48}"/>
+                <a16:creationId xmlns:a16="http://schemas.microsoft.com/office/drawing/2014/main" id="{28393085-A987-403B-BEB6-46C8F5D14C43}"/>
               </a:ext>
             </a:extLst>
           </p:cNvPr>
@@ -3462,8 +4163,8 @@
         </p:nvSpPr>
         <p:spPr>
           <a:xfrm>
-            <a:off x="719847" y="2626468"/>
-            <a:ext cx="1351652" cy="369332"/>
+            <a:off x="630315" y="1127464"/>
+            <a:ext cx="1290225" cy="646331"/>
           </a:xfrm>
           <a:prstGeom prst="rect">
             <a:avLst/>
@@ -3478,7 +4179,13 @@
           <a:p>
             <a:r>
               <a:rPr lang="en-US" dirty="0"/>
-              <a:t>Harmonic fit</a:t>
+              <a:t>Exponential</a:t>
+            </a:r>
+          </a:p>
+          <a:p>
+            <a:r>
+              <a:rPr lang="en-US" dirty="0"/>
+              <a:t>fit</a:t>
             </a:r>
             <a:endParaRPr lang="LID4096" dirty="0"/>
           </a:p>
@@ -3487,7 +4194,7 @@
     </p:spTree>
     <p:extLst>
       <p:ext uri="{BB962C8B-B14F-4D97-AF65-F5344CB8AC3E}">
-        <p14:creationId xmlns:p14="http://schemas.microsoft.com/office/powerpoint/2010/main" val="3967010289"/>
+        <p14:creationId xmlns:p14="http://schemas.microsoft.com/office/powerpoint/2010/main" val="3983845277"/>
       </p:ext>
     </p:extLst>
   </p:cSld>
@@ -3516,6 +4223,232 @@
       </p:grpSpPr>
       <p:pic>
         <p:nvPicPr>
+          <p:cNvPr id="10242" name="Picture 2">
+            <a:extLst>
+              <a:ext uri="{FF2B5EF4-FFF2-40B4-BE49-F238E27FC236}">
+                <a16:creationId xmlns:a16="http://schemas.microsoft.com/office/drawing/2014/main" id="{46F17E84-F809-4591-AC59-A3DB5F1F911F}"/>
+              </a:ext>
+            </a:extLst>
+          </p:cNvPr>
+          <p:cNvPicPr>
+            <a:picLocks noChangeAspect="1" noChangeArrowheads="1"/>
+          </p:cNvPicPr>
+          <p:nvPr/>
+        </p:nvPicPr>
+        <p:blipFill>
+          <a:blip r:embed="rId2">
+            <a:extLst>
+              <a:ext uri="{28A0092B-C50C-407E-A947-70E740481C1C}">
+                <a14:useLocalDpi xmlns:a14="http://schemas.microsoft.com/office/drawing/2010/main" val="0"/>
+              </a:ext>
+            </a:extLst>
+          </a:blip>
+          <a:srcRect/>
+          <a:stretch>
+            <a:fillRect/>
+          </a:stretch>
+        </p:blipFill>
+        <p:spPr bwMode="auto">
+          <a:xfrm>
+            <a:off x="4328280" y="0"/>
+            <a:ext cx="7475537" cy="6858000"/>
+          </a:xfrm>
+          <a:prstGeom prst="rect">
+            <a:avLst/>
+          </a:prstGeom>
+          <a:noFill/>
+          <a:extLst>
+            <a:ext uri="{909E8E84-426E-40DD-AFC4-6F175D3DCCD1}">
+              <a14:hiddenFill xmlns:a14="http://schemas.microsoft.com/office/drawing/2010/main">
+                <a:solidFill>
+                  <a:srgbClr val="FFFFFF"/>
+                </a:solidFill>
+              </a14:hiddenFill>
+            </a:ext>
+          </a:extLst>
+        </p:spPr>
+      </p:pic>
+      <p:sp>
+        <p:nvSpPr>
+          <p:cNvPr id="2" name="TextBox 1">
+            <a:extLst>
+              <a:ext uri="{FF2B5EF4-FFF2-40B4-BE49-F238E27FC236}">
+                <a16:creationId xmlns:a16="http://schemas.microsoft.com/office/drawing/2014/main" id="{918CD30D-2976-4A73-B47D-4F0867004ABD}"/>
+              </a:ext>
+            </a:extLst>
+          </p:cNvPr>
+          <p:cNvSpPr txBox="1"/>
+          <p:nvPr/>
+        </p:nvSpPr>
+        <p:spPr>
+          <a:xfrm>
+            <a:off x="398834" y="1896894"/>
+            <a:ext cx="1404552" cy="369332"/>
+          </a:xfrm>
+          <a:prstGeom prst="rect">
+            <a:avLst/>
+          </a:prstGeom>
+          <a:noFill/>
+        </p:spPr>
+        <p:txBody>
+          <a:bodyPr wrap="none" rtlCol="0">
+            <a:spAutoFit/>
+          </a:bodyPr>
+          <a:lstStyle/>
+          <a:p>
+            <a:r>
+              <a:rPr lang="en-US" dirty="0"/>
+              <a:t>Harmonic fit </a:t>
+            </a:r>
+            <a:endParaRPr lang="LID4096" dirty="0"/>
+          </a:p>
+        </p:txBody>
+      </p:sp>
+    </p:spTree>
+    <p:extLst>
+      <p:ext uri="{BB962C8B-B14F-4D97-AF65-F5344CB8AC3E}">
+        <p14:creationId xmlns:p14="http://schemas.microsoft.com/office/powerpoint/2010/main" val="1509511125"/>
+      </p:ext>
+    </p:extLst>
+  </p:cSld>
+  <p:clrMapOvr>
+    <a:masterClrMapping/>
+  </p:clrMapOvr>
+</p:sld>
+</file>
+
+<file path=ppt/slides/slide14.xml><?xml version="1.0" encoding="utf-8"?>
+<p:sld xmlns:a="http://schemas.openxmlformats.org/drawingml/2006/main" xmlns:r="http://schemas.openxmlformats.org/officeDocument/2006/relationships" xmlns:p="http://schemas.openxmlformats.org/presentationml/2006/main">
+  <p:cSld>
+    <p:spTree>
+      <p:nvGrpSpPr>
+        <p:cNvPr id="1" name=""/>
+        <p:cNvGrpSpPr/>
+        <p:nvPr/>
+      </p:nvGrpSpPr>
+      <p:grpSpPr>
+        <a:xfrm>
+          <a:off x="0" y="0"/>
+          <a:ext cx="0" cy="0"/>
+          <a:chOff x="0" y="0"/>
+          <a:chExt cx="0" cy="0"/>
+        </a:xfrm>
+      </p:grpSpPr>
+      <p:pic>
+        <p:nvPicPr>
+          <p:cNvPr id="11266" name="Picture 2">
+            <a:extLst>
+              <a:ext uri="{FF2B5EF4-FFF2-40B4-BE49-F238E27FC236}">
+                <a16:creationId xmlns:a16="http://schemas.microsoft.com/office/drawing/2014/main" id="{454E9728-0625-414C-B1EB-8FFC748AD6D3}"/>
+              </a:ext>
+            </a:extLst>
+          </p:cNvPr>
+          <p:cNvPicPr>
+            <a:picLocks noChangeAspect="1" noChangeArrowheads="1"/>
+          </p:cNvPicPr>
+          <p:nvPr/>
+        </p:nvPicPr>
+        <p:blipFill>
+          <a:blip r:embed="rId2">
+            <a:extLst>
+              <a:ext uri="{28A0092B-C50C-407E-A947-70E740481C1C}">
+                <a14:useLocalDpi xmlns:a14="http://schemas.microsoft.com/office/drawing/2010/main" val="0"/>
+              </a:ext>
+            </a:extLst>
+          </a:blip>
+          <a:srcRect/>
+          <a:stretch>
+            <a:fillRect/>
+          </a:stretch>
+        </p:blipFill>
+        <p:spPr bwMode="auto">
+          <a:xfrm>
+            <a:off x="4308448" y="126459"/>
+            <a:ext cx="7475537" cy="6858000"/>
+          </a:xfrm>
+          <a:prstGeom prst="rect">
+            <a:avLst/>
+          </a:prstGeom>
+          <a:noFill/>
+          <a:extLst>
+            <a:ext uri="{909E8E84-426E-40DD-AFC4-6F175D3DCCD1}">
+              <a14:hiddenFill xmlns:a14="http://schemas.microsoft.com/office/drawing/2010/main">
+                <a:solidFill>
+                  <a:srgbClr val="FFFFFF"/>
+                </a:solidFill>
+              </a14:hiddenFill>
+            </a:ext>
+          </a:extLst>
+        </p:spPr>
+      </p:pic>
+      <p:sp>
+        <p:nvSpPr>
+          <p:cNvPr id="2" name="TextBox 1">
+            <a:extLst>
+              <a:ext uri="{FF2B5EF4-FFF2-40B4-BE49-F238E27FC236}">
+                <a16:creationId xmlns:a16="http://schemas.microsoft.com/office/drawing/2014/main" id="{085A95B8-158A-4A16-B519-5E2CCF791C48}"/>
+              </a:ext>
+            </a:extLst>
+          </p:cNvPr>
+          <p:cNvSpPr txBox="1"/>
+          <p:nvPr/>
+        </p:nvSpPr>
+        <p:spPr>
+          <a:xfrm>
+            <a:off x="719847" y="2626468"/>
+            <a:ext cx="1351652" cy="369332"/>
+          </a:xfrm>
+          <a:prstGeom prst="rect">
+            <a:avLst/>
+          </a:prstGeom>
+          <a:noFill/>
+        </p:spPr>
+        <p:txBody>
+          <a:bodyPr wrap="none" rtlCol="0">
+            <a:spAutoFit/>
+          </a:bodyPr>
+          <a:lstStyle/>
+          <a:p>
+            <a:r>
+              <a:rPr lang="en-US" dirty="0"/>
+              <a:t>Harmonic fit</a:t>
+            </a:r>
+            <a:endParaRPr lang="LID4096" dirty="0"/>
+          </a:p>
+        </p:txBody>
+      </p:sp>
+    </p:spTree>
+    <p:extLst>
+      <p:ext uri="{BB962C8B-B14F-4D97-AF65-F5344CB8AC3E}">
+        <p14:creationId xmlns:p14="http://schemas.microsoft.com/office/powerpoint/2010/main" val="3967010289"/>
+      </p:ext>
+    </p:extLst>
+  </p:cSld>
+  <p:clrMapOvr>
+    <a:masterClrMapping/>
+  </p:clrMapOvr>
+</p:sld>
+</file>
+
+<file path=ppt/slides/slide15.xml><?xml version="1.0" encoding="utf-8"?>
+<p:sld xmlns:a="http://schemas.openxmlformats.org/drawingml/2006/main" xmlns:r="http://schemas.openxmlformats.org/officeDocument/2006/relationships" xmlns:p="http://schemas.openxmlformats.org/presentationml/2006/main">
+  <p:cSld>
+    <p:spTree>
+      <p:nvGrpSpPr>
+        <p:cNvPr id="1" name=""/>
+        <p:cNvGrpSpPr/>
+        <p:nvPr/>
+      </p:nvGrpSpPr>
+      <p:grpSpPr>
+        <a:xfrm>
+          <a:off x="0" y="0"/>
+          <a:ext cx="0" cy="0"/>
+          <a:chOff x="0" y="0"/>
+          <a:chExt cx="0" cy="0"/>
+        </a:xfrm>
+      </p:grpSpPr>
+      <p:pic>
+        <p:nvPicPr>
           <p:cNvPr id="13314" name="Picture 2">
             <a:extLst>
               <a:ext uri="{FF2B5EF4-FFF2-40B4-BE49-F238E27FC236}">
@@ -3621,7 +4554,7 @@
 </p:sld>
 </file>
 
-<file path=ppt/slides/slide14.xml><?xml version="1.0" encoding="utf-8"?>
+<file path=ppt/slides/slide16.xml><?xml version="1.0" encoding="utf-8"?>
 <p:sld xmlns:a="http://schemas.openxmlformats.org/drawingml/2006/main" xmlns:r="http://schemas.openxmlformats.org/officeDocument/2006/relationships" xmlns:p="http://schemas.openxmlformats.org/presentationml/2006/main">
   <p:cSld>
     <p:spTree>
@@ -3699,7 +4632,7 @@
 </p:sld>
 </file>
 
-<file path=ppt/slides/slide15.xml><?xml version="1.0" encoding="utf-8"?>
+<file path=ppt/slides/slide17.xml><?xml version="1.0" encoding="utf-8"?>
 <p:sld xmlns:a="http://schemas.openxmlformats.org/drawingml/2006/main" xmlns:r="http://schemas.openxmlformats.org/officeDocument/2006/relationships" xmlns:p="http://schemas.openxmlformats.org/presentationml/2006/main">
   <p:cSld>
     <p:spTree>
@@ -3746,48 +4679,12 @@
           <a:chExt cx="0" cy="0"/>
         </a:xfrm>
       </p:grpSpPr>
-      <p:sp>
-        <p:nvSpPr>
-          <p:cNvPr id="2" name="TextBox 1">
-            <a:extLst>
-              <a:ext uri="{FF2B5EF4-FFF2-40B4-BE49-F238E27FC236}">
-                <a16:creationId xmlns:a16="http://schemas.microsoft.com/office/drawing/2014/main" id="{CEBFFCC8-147E-4CBE-A874-BC4352707FF6}"/>
-              </a:ext>
-            </a:extLst>
-          </p:cNvPr>
-          <p:cNvSpPr txBox="1"/>
-          <p:nvPr/>
-        </p:nvSpPr>
-        <p:spPr>
-          <a:xfrm>
-            <a:off x="4527612" y="523782"/>
-            <a:ext cx="2404184" cy="369332"/>
-          </a:xfrm>
-          <a:prstGeom prst="rect">
-            <a:avLst/>
-          </a:prstGeom>
-          <a:noFill/>
-        </p:spPr>
-        <p:txBody>
-          <a:bodyPr wrap="none" rtlCol="0">
-            <a:spAutoFit/>
-          </a:bodyPr>
-          <a:lstStyle/>
-          <a:p>
-            <a:r>
-              <a:rPr lang="en-US" dirty="0"/>
-              <a:t>ALT co-culture vs axenic</a:t>
-            </a:r>
-            <a:endParaRPr lang="LID4096" dirty="0"/>
-          </a:p>
-        </p:txBody>
-      </p:sp>
       <p:pic>
         <p:nvPicPr>
-          <p:cNvPr id="2050" name="Picture 2">
+          <p:cNvPr id="2059" name="Picture 11">
             <a:extLst>
               <a:ext uri="{FF2B5EF4-FFF2-40B4-BE49-F238E27FC236}">
-                <a16:creationId xmlns:a16="http://schemas.microsoft.com/office/drawing/2014/main" id="{444D322D-0163-49F5-8F83-05F3F9A9D9C0}"/>
+                <a16:creationId xmlns:a16="http://schemas.microsoft.com/office/drawing/2014/main" id="{62F752A9-7927-4B94-81FC-972BF26F1887}"/>
               </a:ext>
             </a:extLst>
           </p:cNvPr>
@@ -3811,8 +4708,8 @@
         </p:blipFill>
         <p:spPr bwMode="auto">
           <a:xfrm>
-            <a:off x="2786063" y="1571625"/>
-            <a:ext cx="6619875" cy="3714750"/>
+            <a:off x="8751537" y="786826"/>
+            <a:ext cx="2681629" cy="2375352"/>
           </a:xfrm>
           <a:prstGeom prst="rect">
             <a:avLst/>
@@ -3831,10 +4728,187 @@
       </p:pic>
       <p:sp>
         <p:nvSpPr>
+          <p:cNvPr id="2" name="TextBox 1">
+            <a:extLst>
+              <a:ext uri="{FF2B5EF4-FFF2-40B4-BE49-F238E27FC236}">
+                <a16:creationId xmlns:a16="http://schemas.microsoft.com/office/drawing/2014/main" id="{8FE1D322-6F69-438B-99FF-9180714A0D37}"/>
+              </a:ext>
+            </a:extLst>
+          </p:cNvPr>
+          <p:cNvSpPr txBox="1"/>
+          <p:nvPr/>
+        </p:nvSpPr>
+        <p:spPr>
+          <a:xfrm>
+            <a:off x="685800" y="417494"/>
+            <a:ext cx="4102662" cy="369332"/>
+          </a:xfrm>
+          <a:prstGeom prst="rect">
+            <a:avLst/>
+          </a:prstGeom>
+          <a:noFill/>
+        </p:spPr>
+        <p:txBody>
+          <a:bodyPr wrap="none" rtlCol="0">
+            <a:spAutoFit/>
+          </a:bodyPr>
+          <a:lstStyle/>
+          <a:p>
+            <a:r>
+              <a:rPr lang="en-US" dirty="0"/>
+              <a:t>Error in the fitting of exponential function</a:t>
+            </a:r>
+            <a:endParaRPr lang="LID4096" dirty="0"/>
+          </a:p>
+        </p:txBody>
+      </p:sp>
+      <p:pic>
+        <p:nvPicPr>
+          <p:cNvPr id="2050" name="Picture 2">
+            <a:extLst>
+              <a:ext uri="{FF2B5EF4-FFF2-40B4-BE49-F238E27FC236}">
+                <a16:creationId xmlns:a16="http://schemas.microsoft.com/office/drawing/2014/main" id="{B9DE3CEC-8CC3-414C-8DCB-EDB7AADC4936}"/>
+              </a:ext>
+            </a:extLst>
+          </p:cNvPr>
+          <p:cNvPicPr>
+            <a:picLocks noChangeAspect="1" noChangeArrowheads="1"/>
+          </p:cNvPicPr>
+          <p:nvPr/>
+        </p:nvPicPr>
+        <p:blipFill>
+          <a:blip r:embed="rId3">
+            <a:extLst>
+              <a:ext uri="{28A0092B-C50C-407E-A947-70E740481C1C}">
+                <a14:useLocalDpi xmlns:a14="http://schemas.microsoft.com/office/drawing/2010/main" val="0"/>
+              </a:ext>
+            </a:extLst>
+          </a:blip>
+          <a:srcRect/>
+          <a:stretch>
+            <a:fillRect/>
+          </a:stretch>
+        </p:blipFill>
+        <p:spPr bwMode="auto">
+          <a:xfrm>
+            <a:off x="685800" y="3092450"/>
+            <a:ext cx="3352800" cy="3105150"/>
+          </a:xfrm>
+          <a:prstGeom prst="rect">
+            <a:avLst/>
+          </a:prstGeom>
+          <a:noFill/>
+          <a:extLst>
+            <a:ext uri="{909E8E84-426E-40DD-AFC4-6F175D3DCCD1}">
+              <a14:hiddenFill xmlns:a14="http://schemas.microsoft.com/office/drawing/2010/main">
+                <a:solidFill>
+                  <a:srgbClr val="FFFFFF"/>
+                </a:solidFill>
+              </a14:hiddenFill>
+            </a:ext>
+          </a:extLst>
+        </p:spPr>
+      </p:pic>
+      <p:pic>
+        <p:nvPicPr>
+          <p:cNvPr id="2052" name="Picture 4">
+            <a:extLst>
+              <a:ext uri="{FF2B5EF4-FFF2-40B4-BE49-F238E27FC236}">
+                <a16:creationId xmlns:a16="http://schemas.microsoft.com/office/drawing/2014/main" id="{09F10406-D216-44FD-B5C1-CE98D57A7A04}"/>
+              </a:ext>
+            </a:extLst>
+          </p:cNvPr>
+          <p:cNvPicPr>
+            <a:picLocks noChangeAspect="1" noChangeArrowheads="1"/>
+          </p:cNvPicPr>
+          <p:nvPr/>
+        </p:nvPicPr>
+        <p:blipFill>
+          <a:blip r:embed="rId4">
+            <a:extLst>
+              <a:ext uri="{28A0092B-C50C-407E-A947-70E740481C1C}">
+                <a14:useLocalDpi xmlns:a14="http://schemas.microsoft.com/office/drawing/2010/main" val="0"/>
+              </a:ext>
+            </a:extLst>
+          </a:blip>
+          <a:srcRect/>
+          <a:stretch>
+            <a:fillRect/>
+          </a:stretch>
+        </p:blipFill>
+        <p:spPr bwMode="auto">
+          <a:xfrm>
+            <a:off x="5291139" y="4833407"/>
+            <a:ext cx="5474539" cy="1450975"/>
+          </a:xfrm>
+          <a:prstGeom prst="rect">
+            <a:avLst/>
+          </a:prstGeom>
+          <a:noFill/>
+          <a:extLst>
+            <a:ext uri="{909E8E84-426E-40DD-AFC4-6F175D3DCCD1}">
+              <a14:hiddenFill xmlns:a14="http://schemas.microsoft.com/office/drawing/2010/main">
+                <a:solidFill>
+                  <a:srgbClr val="FFFFFF"/>
+                </a:solidFill>
+              </a14:hiddenFill>
+            </a:ext>
+          </a:extLst>
+        </p:spPr>
+      </p:pic>
+      <p:pic>
+        <p:nvPicPr>
+          <p:cNvPr id="2054" name="Picture 6">
+            <a:extLst>
+              <a:ext uri="{FF2B5EF4-FFF2-40B4-BE49-F238E27FC236}">
+                <a16:creationId xmlns:a16="http://schemas.microsoft.com/office/drawing/2014/main" id="{5F37365E-54B1-4945-AF66-C88CB1534451}"/>
+              </a:ext>
+            </a:extLst>
+          </p:cNvPr>
+          <p:cNvPicPr>
+            <a:picLocks noChangeAspect="1" noChangeArrowheads="1"/>
+          </p:cNvPicPr>
+          <p:nvPr/>
+        </p:nvPicPr>
+        <p:blipFill>
+          <a:blip r:embed="rId5">
+            <a:extLst>
+              <a:ext uri="{28A0092B-C50C-407E-A947-70E740481C1C}">
+                <a14:useLocalDpi xmlns:a14="http://schemas.microsoft.com/office/drawing/2010/main" val="0"/>
+              </a:ext>
+            </a:extLst>
+          </a:blip>
+          <a:srcRect/>
+          <a:stretch>
+            <a:fillRect/>
+          </a:stretch>
+        </p:blipFill>
+        <p:spPr bwMode="auto">
+          <a:xfrm>
+            <a:off x="5539387" y="595591"/>
+            <a:ext cx="2933777" cy="2696104"/>
+          </a:xfrm>
+          <a:prstGeom prst="rect">
+            <a:avLst/>
+          </a:prstGeom>
+          <a:noFill/>
+          <a:extLst>
+            <a:ext uri="{909E8E84-426E-40DD-AFC4-6F175D3DCCD1}">
+              <a14:hiddenFill xmlns:a14="http://schemas.microsoft.com/office/drawing/2010/main">
+                <a:solidFill>
+                  <a:srgbClr val="FFFFFF"/>
+                </a:solidFill>
+              </a14:hiddenFill>
+            </a:ext>
+          </a:extLst>
+        </p:spPr>
+      </p:pic>
+      <p:sp>
+        <p:nvSpPr>
           <p:cNvPr id="4" name="Rectangle 3">
             <a:extLst>
               <a:ext uri="{FF2B5EF4-FFF2-40B4-BE49-F238E27FC236}">
-                <a16:creationId xmlns:a16="http://schemas.microsoft.com/office/drawing/2014/main" id="{9A0FEB1B-EB03-454B-B115-B6C649E519DB}"/>
+                <a16:creationId xmlns:a16="http://schemas.microsoft.com/office/drawing/2014/main" id="{AEC3D9C9-9F7E-447E-843E-B612B002F521}"/>
               </a:ext>
             </a:extLst>
           </p:cNvPr>
@@ -3843,8 +4917,8 @@
         </p:nvSpPr>
         <p:spPr>
           <a:xfrm>
-            <a:off x="1423481" y="5721326"/>
-            <a:ext cx="8965660" cy="646331"/>
+            <a:off x="762000" y="1061125"/>
+            <a:ext cx="2438400" cy="1277273"/>
           </a:xfrm>
           <a:prstGeom prst="rect">
             <a:avLst/>
@@ -3857,55 +4931,455 @@
           <a:lstStyle/>
           <a:p>
             <a:r>
-              <a:rPr lang="en-US" dirty="0"/>
-              <a:t>day=60 : </a:t>
-            </a:r>
-            <a:r>
-              <a:rPr lang="en-US" dirty="0" err="1"/>
-              <a:t>Ttest_indResult</a:t>
-            </a:r>
-            <a:r>
-              <a:rPr lang="en-US" dirty="0"/>
-              <a:t>(statistic=2.7387394490570838, </a:t>
-            </a:r>
-            <a:r>
-              <a:rPr lang="en-US" dirty="0" err="1"/>
-              <a:t>pvalue</a:t>
-            </a:r>
-            <a:r>
-              <a:rPr lang="en-US" dirty="0"/>
-              <a:t>=0.007529210600903086)</a:t>
-            </a:r>
-          </a:p>
-          <a:p>
-            <a:r>
-              <a:rPr lang="en-US" dirty="0"/>
-              <a:t>day=100 : </a:t>
-            </a:r>
-            <a:r>
-              <a:rPr lang="en-US" dirty="0" err="1"/>
-              <a:t>Ttest_indResult</a:t>
-            </a:r>
-            <a:r>
-              <a:rPr lang="en-US" dirty="0"/>
-              <a:t>(statistic=6.2055728134674775, </a:t>
-            </a:r>
-            <a:r>
-              <a:rPr lang="en-US" dirty="0" err="1"/>
-              <a:t>pvalue</a:t>
-            </a:r>
-            <a:r>
-              <a:rPr lang="en-US" dirty="0"/>
-              <a:t>=1.9772383801176403e-08)</a:t>
-            </a:r>
-            <a:endParaRPr lang="LID4096" dirty="0"/>
-          </a:p>
-        </p:txBody>
-      </p:sp>
+              <a:rPr lang="de-DE" sz="1100" dirty="0"/>
+              <a:t>MIT9313-MED4       1.715292e-10</a:t>
+            </a:r>
+          </a:p>
+          <a:p>
+            <a:r>
+              <a:rPr lang="de-DE" sz="1100" dirty="0"/>
+              <a:t>Natl2A-MED4        5.188325e-11</a:t>
+            </a:r>
+          </a:p>
+          <a:p>
+            <a:r>
+              <a:rPr lang="de-DE" sz="1100" dirty="0"/>
+              <a:t>MIT9313-MIT0604    6.512815e-07</a:t>
+            </a:r>
+          </a:p>
+          <a:p>
+            <a:r>
+              <a:rPr lang="de-DE" sz="1100" dirty="0"/>
+              <a:t>Natl2A-MIT0604     1.583147e-13</a:t>
+            </a:r>
+          </a:p>
+          <a:p>
+            <a:r>
+              <a:rPr lang="de-DE" sz="1100" dirty="0"/>
+              <a:t>MIT9313-MIT9312    3.295529e-07</a:t>
+            </a:r>
+          </a:p>
+          <a:p>
+            <a:r>
+              <a:rPr lang="de-DE" sz="1100" dirty="0"/>
+              <a:t>Natl2A-MIT9312     2.744955e-14</a:t>
+            </a:r>
+          </a:p>
+          <a:p>
+            <a:r>
+              <a:rPr lang="de-DE" sz="1100" dirty="0"/>
+              <a:t>Natl2A-MIT9313     2.480768e-24</a:t>
+            </a:r>
+            <a:endParaRPr lang="LID4096" sz="1100" dirty="0"/>
+          </a:p>
+        </p:txBody>
+      </p:sp>
+      <p:grpSp>
+        <p:nvGrpSpPr>
+          <p:cNvPr id="5" name="Group 4">
+            <a:extLst>
+              <a:ext uri="{FF2B5EF4-FFF2-40B4-BE49-F238E27FC236}">
+                <a16:creationId xmlns:a16="http://schemas.microsoft.com/office/drawing/2014/main" id="{CACC229E-82BF-4F2B-83A9-1A46C12A59AE}"/>
+              </a:ext>
+            </a:extLst>
+          </p:cNvPr>
+          <p:cNvGrpSpPr/>
+          <p:nvPr/>
+        </p:nvGrpSpPr>
+        <p:grpSpPr>
+          <a:xfrm>
+            <a:off x="9281365" y="457200"/>
+            <a:ext cx="1920035" cy="283351"/>
+            <a:chOff x="9281365" y="382656"/>
+            <a:chExt cx="2252477" cy="357895"/>
+          </a:xfrm>
+        </p:grpSpPr>
+        <p:sp>
+          <p:nvSpPr>
+            <p:cNvPr id="9" name="TextBox 8">
+              <a:extLst>
+                <a:ext uri="{FF2B5EF4-FFF2-40B4-BE49-F238E27FC236}">
+                  <a16:creationId xmlns:a16="http://schemas.microsoft.com/office/drawing/2014/main" id="{01BE3B7E-F24F-4CE9-8885-389A8B9CC557}"/>
+                </a:ext>
+              </a:extLst>
+            </p:cNvPr>
+            <p:cNvSpPr txBox="1"/>
+            <p:nvPr/>
+          </p:nvSpPr>
+          <p:spPr>
+            <a:xfrm>
+              <a:off x="9281365" y="390953"/>
+              <a:ext cx="308751" cy="349598"/>
+            </a:xfrm>
+            <a:prstGeom prst="rect">
+              <a:avLst/>
+            </a:prstGeom>
+            <a:noFill/>
+          </p:spPr>
+          <p:txBody>
+            <a:bodyPr wrap="none" rtlCol="0">
+              <a:spAutoFit/>
+            </a:bodyPr>
+            <a:lstStyle/>
+            <a:p>
+              <a:r>
+                <a:rPr lang="en-US" dirty="0"/>
+                <a:t>A</a:t>
+              </a:r>
+              <a:endParaRPr lang="LID4096" dirty="0"/>
+            </a:p>
+          </p:txBody>
+        </p:sp>
+        <p:sp>
+          <p:nvSpPr>
+            <p:cNvPr id="10" name="TextBox 9">
+              <a:extLst>
+                <a:ext uri="{FF2B5EF4-FFF2-40B4-BE49-F238E27FC236}">
+                  <a16:creationId xmlns:a16="http://schemas.microsoft.com/office/drawing/2014/main" id="{49B9B282-60FF-4EF0-ADB6-7EC713E9B261}"/>
+                </a:ext>
+              </a:extLst>
+            </p:cNvPr>
+            <p:cNvSpPr txBox="1"/>
+            <p:nvPr/>
+          </p:nvSpPr>
+          <p:spPr>
+            <a:xfrm>
+              <a:off x="11225091" y="382656"/>
+              <a:ext cx="308751" cy="349598"/>
+            </a:xfrm>
+            <a:prstGeom prst="rect">
+              <a:avLst/>
+            </a:prstGeom>
+            <a:noFill/>
+          </p:spPr>
+          <p:txBody>
+            <a:bodyPr wrap="none" rtlCol="0">
+              <a:spAutoFit/>
+            </a:bodyPr>
+            <a:lstStyle/>
+            <a:p>
+              <a:r>
+                <a:rPr lang="en-US" dirty="0"/>
+                <a:t>A</a:t>
+              </a:r>
+              <a:endParaRPr lang="LID4096" dirty="0"/>
+            </a:p>
+          </p:txBody>
+        </p:sp>
+        <p:sp>
+          <p:nvSpPr>
+            <p:cNvPr id="11" name="TextBox 10">
+              <a:extLst>
+                <a:ext uri="{FF2B5EF4-FFF2-40B4-BE49-F238E27FC236}">
+                  <a16:creationId xmlns:a16="http://schemas.microsoft.com/office/drawing/2014/main" id="{26AE4E7F-8674-42CC-824B-95EC0CE6C205}"/>
+                </a:ext>
+              </a:extLst>
+            </p:cNvPr>
+            <p:cNvSpPr txBox="1"/>
+            <p:nvPr/>
+          </p:nvSpPr>
+          <p:spPr>
+            <a:xfrm>
+              <a:off x="9820196" y="390953"/>
+              <a:ext cx="308751" cy="349598"/>
+            </a:xfrm>
+            <a:prstGeom prst="rect">
+              <a:avLst/>
+            </a:prstGeom>
+            <a:noFill/>
+          </p:spPr>
+          <p:txBody>
+            <a:bodyPr wrap="none" rtlCol="0">
+              <a:spAutoFit/>
+            </a:bodyPr>
+            <a:lstStyle/>
+            <a:p>
+              <a:r>
+                <a:rPr lang="en-US" dirty="0"/>
+                <a:t>A</a:t>
+              </a:r>
+              <a:endParaRPr lang="LID4096" dirty="0"/>
+            </a:p>
+          </p:txBody>
+        </p:sp>
+        <p:sp>
+          <p:nvSpPr>
+            <p:cNvPr id="12" name="TextBox 11">
+              <a:extLst>
+                <a:ext uri="{FF2B5EF4-FFF2-40B4-BE49-F238E27FC236}">
+                  <a16:creationId xmlns:a16="http://schemas.microsoft.com/office/drawing/2014/main" id="{82F53AF7-EE52-454F-982F-A632E73BB852}"/>
+                </a:ext>
+              </a:extLst>
+            </p:cNvPr>
+            <p:cNvSpPr txBox="1"/>
+            <p:nvPr/>
+          </p:nvSpPr>
+          <p:spPr>
+            <a:xfrm>
+              <a:off x="10273682" y="390953"/>
+              <a:ext cx="308751" cy="349598"/>
+            </a:xfrm>
+            <a:prstGeom prst="rect">
+              <a:avLst/>
+            </a:prstGeom>
+            <a:noFill/>
+          </p:spPr>
+          <p:txBody>
+            <a:bodyPr wrap="square" rtlCol="0">
+              <a:spAutoFit/>
+            </a:bodyPr>
+            <a:lstStyle/>
+            <a:p>
+              <a:r>
+                <a:rPr lang="en-US" dirty="0"/>
+                <a:t>A</a:t>
+              </a:r>
+              <a:endParaRPr lang="LID4096" dirty="0"/>
+            </a:p>
+          </p:txBody>
+        </p:sp>
+        <p:sp>
+          <p:nvSpPr>
+            <p:cNvPr id="13" name="TextBox 12">
+              <a:extLst>
+                <a:ext uri="{FF2B5EF4-FFF2-40B4-BE49-F238E27FC236}">
+                  <a16:creationId xmlns:a16="http://schemas.microsoft.com/office/drawing/2014/main" id="{43E0E5AB-E071-466B-95D7-2DB01364B815}"/>
+                </a:ext>
+              </a:extLst>
+            </p:cNvPr>
+            <p:cNvSpPr txBox="1"/>
+            <p:nvPr/>
+          </p:nvSpPr>
+          <p:spPr>
+            <a:xfrm>
+              <a:off x="10711634" y="390953"/>
+              <a:ext cx="308751" cy="349598"/>
+            </a:xfrm>
+            <a:prstGeom prst="rect">
+              <a:avLst/>
+            </a:prstGeom>
+            <a:noFill/>
+          </p:spPr>
+          <p:txBody>
+            <a:bodyPr wrap="none" rtlCol="0">
+              <a:spAutoFit/>
+            </a:bodyPr>
+            <a:lstStyle/>
+            <a:p>
+              <a:r>
+                <a:rPr lang="en-US" dirty="0"/>
+                <a:t>A</a:t>
+              </a:r>
+              <a:endParaRPr lang="LID4096" dirty="0"/>
+            </a:p>
+          </p:txBody>
+        </p:sp>
+      </p:grpSp>
+      <p:grpSp>
+        <p:nvGrpSpPr>
+          <p:cNvPr id="15" name="Group 14">
+            <a:extLst>
+              <a:ext uri="{FF2B5EF4-FFF2-40B4-BE49-F238E27FC236}">
+                <a16:creationId xmlns:a16="http://schemas.microsoft.com/office/drawing/2014/main" id="{A99BA8F2-7039-44D9-A80E-294C1F1F2263}"/>
+              </a:ext>
+            </a:extLst>
+          </p:cNvPr>
+          <p:cNvGrpSpPr/>
+          <p:nvPr/>
+        </p:nvGrpSpPr>
+        <p:grpSpPr>
+          <a:xfrm>
+            <a:off x="6182131" y="275818"/>
+            <a:ext cx="2221039" cy="377894"/>
+            <a:chOff x="9281365" y="382656"/>
+            <a:chExt cx="2256782" cy="366192"/>
+          </a:xfrm>
+        </p:grpSpPr>
+        <p:sp>
+          <p:nvSpPr>
+            <p:cNvPr id="16" name="TextBox 15">
+              <a:extLst>
+                <a:ext uri="{FF2B5EF4-FFF2-40B4-BE49-F238E27FC236}">
+                  <a16:creationId xmlns:a16="http://schemas.microsoft.com/office/drawing/2014/main" id="{B36B13A3-42CF-480B-A59F-2C9E2065ABFC}"/>
+                </a:ext>
+              </a:extLst>
+            </p:cNvPr>
+            <p:cNvSpPr txBox="1"/>
+            <p:nvPr/>
+          </p:nvSpPr>
+          <p:spPr>
+            <a:xfrm>
+              <a:off x="9281365" y="390953"/>
+              <a:ext cx="308751" cy="349598"/>
+            </a:xfrm>
+            <a:prstGeom prst="rect">
+              <a:avLst/>
+            </a:prstGeom>
+            <a:noFill/>
+          </p:spPr>
+          <p:txBody>
+            <a:bodyPr wrap="none" rtlCol="0">
+              <a:spAutoFit/>
+            </a:bodyPr>
+            <a:lstStyle/>
+            <a:p>
+              <a:r>
+                <a:rPr lang="en-US" dirty="0"/>
+                <a:t>A</a:t>
+              </a:r>
+              <a:endParaRPr lang="LID4096" dirty="0"/>
+            </a:p>
+          </p:txBody>
+        </p:sp>
+        <p:sp>
+          <p:nvSpPr>
+            <p:cNvPr id="17" name="TextBox 16">
+              <a:extLst>
+                <a:ext uri="{FF2B5EF4-FFF2-40B4-BE49-F238E27FC236}">
+                  <a16:creationId xmlns:a16="http://schemas.microsoft.com/office/drawing/2014/main" id="{0EADD48C-4547-4D55-B667-23FC32EA04D3}"/>
+                </a:ext>
+              </a:extLst>
+            </p:cNvPr>
+            <p:cNvSpPr txBox="1"/>
+            <p:nvPr/>
+          </p:nvSpPr>
+          <p:spPr>
+            <a:xfrm>
+              <a:off x="11225091" y="382656"/>
+              <a:ext cx="313056" cy="357895"/>
+            </a:xfrm>
+            <a:prstGeom prst="rect">
+              <a:avLst/>
+            </a:prstGeom>
+            <a:noFill/>
+          </p:spPr>
+          <p:txBody>
+            <a:bodyPr wrap="none" rtlCol="0">
+              <a:spAutoFit/>
+            </a:bodyPr>
+            <a:lstStyle/>
+            <a:p>
+              <a:r>
+                <a:rPr lang="en-US" dirty="0"/>
+                <a:t>C</a:t>
+              </a:r>
+              <a:endParaRPr lang="LID4096" dirty="0"/>
+            </a:p>
+          </p:txBody>
+        </p:sp>
+        <p:sp>
+          <p:nvSpPr>
+            <p:cNvPr id="18" name="TextBox 17">
+              <a:extLst>
+                <a:ext uri="{FF2B5EF4-FFF2-40B4-BE49-F238E27FC236}">
+                  <a16:creationId xmlns:a16="http://schemas.microsoft.com/office/drawing/2014/main" id="{66A01390-CE81-4F83-B4AB-21770B4B18C7}"/>
+                </a:ext>
+              </a:extLst>
+            </p:cNvPr>
+            <p:cNvSpPr txBox="1"/>
+            <p:nvPr/>
+          </p:nvSpPr>
+          <p:spPr>
+            <a:xfrm>
+              <a:off x="9820196" y="390953"/>
+              <a:ext cx="308751" cy="349598"/>
+            </a:xfrm>
+            <a:prstGeom prst="rect">
+              <a:avLst/>
+            </a:prstGeom>
+            <a:noFill/>
+          </p:spPr>
+          <p:txBody>
+            <a:bodyPr wrap="none" rtlCol="0">
+              <a:spAutoFit/>
+            </a:bodyPr>
+            <a:lstStyle/>
+            <a:p>
+              <a:r>
+                <a:rPr lang="en-US" dirty="0"/>
+                <a:t>A</a:t>
+              </a:r>
+              <a:endParaRPr lang="LID4096" dirty="0"/>
+            </a:p>
+          </p:txBody>
+        </p:sp>
+        <p:sp>
+          <p:nvSpPr>
+            <p:cNvPr id="19" name="TextBox 18">
+              <a:extLst>
+                <a:ext uri="{FF2B5EF4-FFF2-40B4-BE49-F238E27FC236}">
+                  <a16:creationId xmlns:a16="http://schemas.microsoft.com/office/drawing/2014/main" id="{9AD1A63B-81A3-490D-A52D-C263DD614E58}"/>
+                </a:ext>
+              </a:extLst>
+            </p:cNvPr>
+            <p:cNvSpPr txBox="1"/>
+            <p:nvPr/>
+          </p:nvSpPr>
+          <p:spPr>
+            <a:xfrm>
+              <a:off x="10273682" y="390953"/>
+              <a:ext cx="308751" cy="349598"/>
+            </a:xfrm>
+            <a:prstGeom prst="rect">
+              <a:avLst/>
+            </a:prstGeom>
+            <a:noFill/>
+          </p:spPr>
+          <p:txBody>
+            <a:bodyPr wrap="square" rtlCol="0">
+              <a:spAutoFit/>
+            </a:bodyPr>
+            <a:lstStyle/>
+            <a:p>
+              <a:r>
+                <a:rPr lang="en-US" dirty="0"/>
+                <a:t>A</a:t>
+              </a:r>
+              <a:endParaRPr lang="LID4096" dirty="0"/>
+            </a:p>
+          </p:txBody>
+        </p:sp>
+        <p:sp>
+          <p:nvSpPr>
+            <p:cNvPr id="20" name="TextBox 19">
+              <a:extLst>
+                <a:ext uri="{FF2B5EF4-FFF2-40B4-BE49-F238E27FC236}">
+                  <a16:creationId xmlns:a16="http://schemas.microsoft.com/office/drawing/2014/main" id="{85FC83DC-E070-4123-AFA8-6D61F6441A46}"/>
+                </a:ext>
+              </a:extLst>
+            </p:cNvPr>
+            <p:cNvSpPr txBox="1"/>
+            <p:nvPr/>
+          </p:nvSpPr>
+          <p:spPr>
+            <a:xfrm>
+              <a:off x="10711634" y="390953"/>
+              <a:ext cx="314684" cy="357895"/>
+            </a:xfrm>
+            <a:prstGeom prst="rect">
+              <a:avLst/>
+            </a:prstGeom>
+            <a:noFill/>
+          </p:spPr>
+          <p:txBody>
+            <a:bodyPr wrap="none" rtlCol="0">
+              <a:spAutoFit/>
+            </a:bodyPr>
+            <a:lstStyle/>
+            <a:p>
+              <a:r>
+                <a:rPr lang="en-US" dirty="0"/>
+                <a:t>B</a:t>
+              </a:r>
+              <a:endParaRPr lang="LID4096" dirty="0"/>
+            </a:p>
+          </p:txBody>
+        </p:sp>
+      </p:grpSp>
     </p:spTree>
     <p:extLst>
       <p:ext uri="{BB962C8B-B14F-4D97-AF65-F5344CB8AC3E}">
-        <p14:creationId xmlns:p14="http://schemas.microsoft.com/office/powerpoint/2010/main" val="363535407"/>
+        <p14:creationId xmlns:p14="http://schemas.microsoft.com/office/powerpoint/2010/main" val="1878656002"/>
       </p:ext>
     </p:extLst>
   </p:cSld>
@@ -3934,10 +5408,10 @@
       </p:grpSpPr>
       <p:pic>
         <p:nvPicPr>
-          <p:cNvPr id="7170" name="Picture 2">
+          <p:cNvPr id="1030" name="Picture 6">
             <a:extLst>
               <a:ext uri="{FF2B5EF4-FFF2-40B4-BE49-F238E27FC236}">
-                <a16:creationId xmlns:a16="http://schemas.microsoft.com/office/drawing/2014/main" id="{A9673431-FE6A-4D09-8F16-3F6D32F76C57}"/>
+                <a16:creationId xmlns:a16="http://schemas.microsoft.com/office/drawing/2014/main" id="{73A6E480-A6EF-4439-8C0B-56B0C2AA9DAC}"/>
               </a:ext>
             </a:extLst>
           </p:cNvPr>
@@ -3961,8 +5435,8 @@
         </p:blipFill>
         <p:spPr bwMode="auto">
           <a:xfrm>
-            <a:off x="2610963" y="1785633"/>
-            <a:ext cx="6619875" cy="3714750"/>
+            <a:off x="3226342" y="3718181"/>
+            <a:ext cx="4362450" cy="2962275"/>
           </a:xfrm>
           <a:prstGeom prst="rect">
             <a:avLst/>
@@ -3981,116 +5455,138 @@
       </p:pic>
       <p:sp>
         <p:nvSpPr>
-          <p:cNvPr id="2" name="Rectangle 1">
+          <p:cNvPr id="4" name="TextBox 3">
             <a:extLst>
               <a:ext uri="{FF2B5EF4-FFF2-40B4-BE49-F238E27FC236}">
-                <a16:creationId xmlns:a16="http://schemas.microsoft.com/office/drawing/2014/main" id="{1404D704-EC70-4F9E-9D6E-1210E5ADE3F4}"/>
+                <a16:creationId xmlns:a16="http://schemas.microsoft.com/office/drawing/2014/main" id="{FC00FE9B-AF63-4FD3-BB0A-2047EF1C8DF0}"/>
               </a:ext>
             </a:extLst>
           </p:cNvPr>
-          <p:cNvSpPr/>
+          <p:cNvSpPr txBox="1"/>
           <p:nvPr/>
         </p:nvSpPr>
         <p:spPr>
           <a:xfrm>
-            <a:off x="4893907" y="627594"/>
-            <a:ext cx="2471767" cy="369332"/>
+            <a:off x="4074850" y="328474"/>
+            <a:ext cx="4528932" cy="369332"/>
           </a:xfrm>
           <a:prstGeom prst="rect">
             <a:avLst/>
           </a:prstGeom>
-        </p:spPr>
-        <p:txBody>
-          <a:bodyPr wrap="none">
+          <a:noFill/>
+        </p:spPr>
+        <p:txBody>
+          <a:bodyPr wrap="none" rtlCol="0">
             <a:spAutoFit/>
           </a:bodyPr>
           <a:lstStyle/>
           <a:p>
             <a:r>
               <a:rPr lang="en-US" dirty="0"/>
-              <a:t>PRO co-culture vs axenic</a:t>
+              <a:t>Total number of cells carrying capacity per day</a:t>
             </a:r>
             <a:endParaRPr lang="LID4096" dirty="0"/>
           </a:p>
         </p:txBody>
       </p:sp>
-      <p:sp>
-        <p:nvSpPr>
-          <p:cNvPr id="4" name="Rectangle 3">
+      <p:pic>
+        <p:nvPicPr>
+          <p:cNvPr id="1026" name="Picture 2">
             <a:extLst>
               <a:ext uri="{FF2B5EF4-FFF2-40B4-BE49-F238E27FC236}">
-                <a16:creationId xmlns:a16="http://schemas.microsoft.com/office/drawing/2014/main" id="{398864B8-F369-44FF-B6C1-962993F0CB72}"/>
+                <a16:creationId xmlns:a16="http://schemas.microsoft.com/office/drawing/2014/main" id="{492F154B-DD5F-4D0E-BBC1-1A75EF562D03}"/>
               </a:ext>
             </a:extLst>
           </p:cNvPr>
-          <p:cNvSpPr/>
+          <p:cNvPicPr>
+            <a:picLocks noChangeAspect="1" noChangeArrowheads="1"/>
+          </p:cNvPicPr>
           <p:nvPr/>
-        </p:nvSpPr>
-        <p:spPr>
-          <a:xfrm>
-            <a:off x="1413752" y="5907240"/>
-            <a:ext cx="10687455" cy="646331"/>
+        </p:nvPicPr>
+        <p:blipFill>
+          <a:blip r:embed="rId3">
+            <a:extLst>
+              <a:ext uri="{28A0092B-C50C-407E-A947-70E740481C1C}">
+                <a14:useLocalDpi xmlns:a14="http://schemas.microsoft.com/office/drawing/2010/main" val="0"/>
+              </a:ext>
+            </a:extLst>
+          </a:blip>
+          <a:srcRect/>
+          <a:stretch>
+            <a:fillRect/>
+          </a:stretch>
+        </p:blipFill>
+        <p:spPr bwMode="auto">
+          <a:xfrm>
+            <a:off x="680936" y="755906"/>
+            <a:ext cx="4181475" cy="2962275"/>
           </a:xfrm>
           <a:prstGeom prst="rect">
             <a:avLst/>
           </a:prstGeom>
-        </p:spPr>
-        <p:txBody>
-          <a:bodyPr wrap="square">
-            <a:spAutoFit/>
-          </a:bodyPr>
-          <a:lstStyle/>
-          <a:p>
-            <a:r>
-              <a:rPr lang="en-US" dirty="0"/>
-              <a:t>day=60 </a:t>
-            </a:r>
-            <a:r>
-              <a:rPr lang="en-US" dirty="0" err="1"/>
-              <a:t>Ttest_indResult</a:t>
-            </a:r>
-            <a:r>
-              <a:rPr lang="en-US" dirty="0"/>
-              <a:t>(statistic=6.513651102735099, </a:t>
-            </a:r>
-            <a:r>
-              <a:rPr lang="en-US" dirty="0" err="1"/>
-              <a:t>pvalue</a:t>
-            </a:r>
-            <a:r>
-              <a:rPr lang="en-US" dirty="0"/>
-              <a:t>=4.737550066995795e-09)</a:t>
-            </a:r>
-          </a:p>
-          <a:p>
-            <a:r>
-              <a:rPr lang="en-US" dirty="0"/>
-              <a:t>day=100 </a:t>
-            </a:r>
-            <a:r>
-              <a:rPr lang="en-US" dirty="0" err="1"/>
-              <a:t>Ttest_indResult</a:t>
-            </a:r>
-            <a:r>
-              <a:rPr lang="en-US" dirty="0"/>
-              <a:t>(statistic=5.429712102261257, </a:t>
-            </a:r>
-            <a:r>
-              <a:rPr lang="en-US" dirty="0" err="1"/>
-              <a:t>pvalue</a:t>
-            </a:r>
-            <a:r>
-              <a:rPr lang="en-US" dirty="0"/>
-              <a:t>=5.150855380193557e-07)</a:t>
-            </a:r>
-            <a:endParaRPr lang="LID4096" dirty="0"/>
-          </a:p>
-        </p:txBody>
-      </p:sp>
+          <a:noFill/>
+          <a:extLst>
+            <a:ext uri="{909E8E84-426E-40DD-AFC4-6F175D3DCCD1}">
+              <a14:hiddenFill xmlns:a14="http://schemas.microsoft.com/office/drawing/2010/main">
+                <a:solidFill>
+                  <a:srgbClr val="FFFFFF"/>
+                </a:solidFill>
+              </a14:hiddenFill>
+            </a:ext>
+          </a:extLst>
+        </p:spPr>
+      </p:pic>
+      <p:pic>
+        <p:nvPicPr>
+          <p:cNvPr id="1028" name="Picture 4">
+            <a:extLst>
+              <a:ext uri="{FF2B5EF4-FFF2-40B4-BE49-F238E27FC236}">
+                <a16:creationId xmlns:a16="http://schemas.microsoft.com/office/drawing/2014/main" id="{13C07931-707A-4C98-8FEF-03B3A4F4C16D}"/>
+              </a:ext>
+            </a:extLst>
+          </p:cNvPr>
+          <p:cNvPicPr>
+            <a:picLocks noChangeAspect="1" noChangeArrowheads="1"/>
+          </p:cNvPicPr>
+          <p:nvPr/>
+        </p:nvPicPr>
+        <p:blipFill>
+          <a:blip r:embed="rId4">
+            <a:extLst>
+              <a:ext uri="{28A0092B-C50C-407E-A947-70E740481C1C}">
+                <a14:useLocalDpi xmlns:a14="http://schemas.microsoft.com/office/drawing/2010/main" val="0"/>
+              </a:ext>
+            </a:extLst>
+          </a:blip>
+          <a:srcRect/>
+          <a:stretch>
+            <a:fillRect/>
+          </a:stretch>
+        </p:blipFill>
+        <p:spPr bwMode="auto">
+          <a:xfrm>
+            <a:off x="6414783" y="863495"/>
+            <a:ext cx="3962400" cy="2962275"/>
+          </a:xfrm>
+          <a:prstGeom prst="rect">
+            <a:avLst/>
+          </a:prstGeom>
+          <a:noFill/>
+          <a:extLst>
+            <a:ext uri="{909E8E84-426E-40DD-AFC4-6F175D3DCCD1}">
+              <a14:hiddenFill xmlns:a14="http://schemas.microsoft.com/office/drawing/2010/main">
+                <a:solidFill>
+                  <a:srgbClr val="FFFFFF"/>
+                </a:solidFill>
+              </a14:hiddenFill>
+            </a:ext>
+          </a:extLst>
+        </p:spPr>
+      </p:pic>
     </p:spTree>
     <p:extLst>
       <p:ext uri="{BB962C8B-B14F-4D97-AF65-F5344CB8AC3E}">
-        <p14:creationId xmlns:p14="http://schemas.microsoft.com/office/powerpoint/2010/main" val="3318110847"/>
+        <p14:creationId xmlns:p14="http://schemas.microsoft.com/office/powerpoint/2010/main" val="1653439177"/>
       </p:ext>
     </p:extLst>
   </p:cSld>
@@ -4117,12 +5613,48 @@
           <a:chExt cx="0" cy="0"/>
         </a:xfrm>
       </p:grpSpPr>
+      <p:sp>
+        <p:nvSpPr>
+          <p:cNvPr id="2" name="TextBox 1">
+            <a:extLst>
+              <a:ext uri="{FF2B5EF4-FFF2-40B4-BE49-F238E27FC236}">
+                <a16:creationId xmlns:a16="http://schemas.microsoft.com/office/drawing/2014/main" id="{CEBFFCC8-147E-4CBE-A874-BC4352707FF6}"/>
+              </a:ext>
+            </a:extLst>
+          </p:cNvPr>
+          <p:cNvSpPr txBox="1"/>
+          <p:nvPr/>
+        </p:nvSpPr>
+        <p:spPr>
+          <a:xfrm>
+            <a:off x="4527612" y="523782"/>
+            <a:ext cx="2404184" cy="369332"/>
+          </a:xfrm>
+          <a:prstGeom prst="rect">
+            <a:avLst/>
+          </a:prstGeom>
+          <a:noFill/>
+        </p:spPr>
+        <p:txBody>
+          <a:bodyPr wrap="none" rtlCol="0">
+            <a:spAutoFit/>
+          </a:bodyPr>
+          <a:lstStyle/>
+          <a:p>
+            <a:r>
+              <a:rPr lang="en-US" dirty="0"/>
+              <a:t>ALT co-culture vs axenic</a:t>
+            </a:r>
+            <a:endParaRPr lang="LID4096" dirty="0"/>
+          </a:p>
+        </p:txBody>
+      </p:sp>
       <p:pic>
         <p:nvPicPr>
-          <p:cNvPr id="8194" name="Picture 2">
+          <p:cNvPr id="2050" name="Picture 2">
             <a:extLst>
               <a:ext uri="{FF2B5EF4-FFF2-40B4-BE49-F238E27FC236}">
-                <a16:creationId xmlns:a16="http://schemas.microsoft.com/office/drawing/2014/main" id="{E5CF8492-B643-4C44-9AFA-BA561B394AD5}"/>
+                <a16:creationId xmlns:a16="http://schemas.microsoft.com/office/drawing/2014/main" id="{444D322D-0163-49F5-8F83-05F3F9A9D9C0}"/>
               </a:ext>
             </a:extLst>
           </p:cNvPr>
@@ -4146,8 +5678,8 @@
         </p:blipFill>
         <p:spPr bwMode="auto">
           <a:xfrm>
-            <a:off x="1963062" y="1814511"/>
-            <a:ext cx="3324225" cy="3228975"/>
+            <a:off x="2786063" y="1571625"/>
+            <a:ext cx="6619875" cy="3714750"/>
           </a:xfrm>
           <a:prstGeom prst="rect">
             <a:avLst/>
@@ -4164,57 +5696,83 @@
           </a:extLst>
         </p:spPr>
       </p:pic>
-      <p:pic>
-        <p:nvPicPr>
-          <p:cNvPr id="8196" name="Picture 4">
+      <p:sp>
+        <p:nvSpPr>
+          <p:cNvPr id="4" name="Rectangle 3">
             <a:extLst>
               <a:ext uri="{FF2B5EF4-FFF2-40B4-BE49-F238E27FC236}">
-                <a16:creationId xmlns:a16="http://schemas.microsoft.com/office/drawing/2014/main" id="{9E90D773-6FB1-4F43-B071-08380F512432}"/>
+                <a16:creationId xmlns:a16="http://schemas.microsoft.com/office/drawing/2014/main" id="{9A0FEB1B-EB03-454B-B115-B6C649E519DB}"/>
               </a:ext>
             </a:extLst>
           </p:cNvPr>
-          <p:cNvPicPr>
-            <a:picLocks noChangeAspect="1" noChangeArrowheads="1"/>
-          </p:cNvPicPr>
+          <p:cNvSpPr/>
           <p:nvPr/>
-        </p:nvPicPr>
-        <p:blipFill>
-          <a:blip r:embed="rId3">
-            <a:extLst>
-              <a:ext uri="{28A0092B-C50C-407E-A947-70E740481C1C}">
-                <a14:useLocalDpi xmlns:a14="http://schemas.microsoft.com/office/drawing/2010/main" val="0"/>
-              </a:ext>
-            </a:extLst>
-          </a:blip>
-          <a:srcRect/>
-          <a:stretch>
-            <a:fillRect/>
-          </a:stretch>
-        </p:blipFill>
-        <p:spPr bwMode="auto">
-          <a:xfrm>
-            <a:off x="5735976" y="1814510"/>
-            <a:ext cx="3190875" cy="3228975"/>
+        </p:nvSpPr>
+        <p:spPr>
+          <a:xfrm>
+            <a:off x="1423481" y="5721326"/>
+            <a:ext cx="8965660" cy="646331"/>
           </a:xfrm>
           <a:prstGeom prst="rect">
             <a:avLst/>
           </a:prstGeom>
-          <a:noFill/>
-          <a:extLst>
-            <a:ext uri="{909E8E84-426E-40DD-AFC4-6F175D3DCCD1}">
-              <a14:hiddenFill xmlns:a14="http://schemas.microsoft.com/office/drawing/2010/main">
-                <a:solidFill>
-                  <a:srgbClr val="FFFFFF"/>
-                </a:solidFill>
-              </a14:hiddenFill>
-            </a:ext>
-          </a:extLst>
-        </p:spPr>
-      </p:pic>
+        </p:spPr>
+        <p:txBody>
+          <a:bodyPr wrap="square">
+            <a:spAutoFit/>
+          </a:bodyPr>
+          <a:lstStyle/>
+          <a:p>
+            <a:r>
+              <a:rPr lang="en-US" dirty="0"/>
+              <a:t>day=60 : </a:t>
+            </a:r>
+            <a:r>
+              <a:rPr lang="en-US" dirty="0" err="1"/>
+              <a:t>Ttest_indResult</a:t>
+            </a:r>
+            <a:r>
+              <a:rPr lang="en-US" dirty="0"/>
+              <a:t>(statistic=2.7387394490570838, </a:t>
+            </a:r>
+            <a:r>
+              <a:rPr lang="en-US" dirty="0" err="1"/>
+              <a:t>pvalue</a:t>
+            </a:r>
+            <a:r>
+              <a:rPr lang="en-US" dirty="0"/>
+              <a:t>=0.007529210600903086)</a:t>
+            </a:r>
+          </a:p>
+          <a:p>
+            <a:r>
+              <a:rPr lang="en-US" dirty="0"/>
+              <a:t>day=100 : </a:t>
+            </a:r>
+            <a:r>
+              <a:rPr lang="en-US" dirty="0" err="1"/>
+              <a:t>Ttest_indResult</a:t>
+            </a:r>
+            <a:r>
+              <a:rPr lang="en-US" dirty="0"/>
+              <a:t>(statistic=6.2055728134674775, </a:t>
+            </a:r>
+            <a:r>
+              <a:rPr lang="en-US" dirty="0" err="1"/>
+              <a:t>pvalue</a:t>
+            </a:r>
+            <a:r>
+              <a:rPr lang="en-US" dirty="0"/>
+              <a:t>=1.9772383801176403e-08)</a:t>
+            </a:r>
+            <a:endParaRPr lang="LID4096" dirty="0"/>
+          </a:p>
+        </p:txBody>
+      </p:sp>
     </p:spTree>
     <p:extLst>
       <p:ext uri="{BB962C8B-B14F-4D97-AF65-F5344CB8AC3E}">
-        <p14:creationId xmlns:p14="http://schemas.microsoft.com/office/powerpoint/2010/main" val="857257470"/>
+        <p14:creationId xmlns:p14="http://schemas.microsoft.com/office/powerpoint/2010/main" val="363535407"/>
       </p:ext>
     </p:extLst>
   </p:cSld>
@@ -4243,10 +5801,10 @@
       </p:grpSpPr>
       <p:pic>
         <p:nvPicPr>
-          <p:cNvPr id="3079" name="Picture 7">
+          <p:cNvPr id="7170" name="Picture 2">
             <a:extLst>
               <a:ext uri="{FF2B5EF4-FFF2-40B4-BE49-F238E27FC236}">
-                <a16:creationId xmlns:a16="http://schemas.microsoft.com/office/drawing/2014/main" id="{B8986805-BEEE-4905-AA4E-03BA080340DC}"/>
+                <a16:creationId xmlns:a16="http://schemas.microsoft.com/office/drawing/2014/main" id="{A9673431-FE6A-4D09-8F16-3F6D32F76C57}"/>
               </a:ext>
             </a:extLst>
           </p:cNvPr>
@@ -4270,8 +5828,8 @@
         </p:blipFill>
         <p:spPr bwMode="auto">
           <a:xfrm>
-            <a:off x="766437" y="235644"/>
-            <a:ext cx="10048875" cy="3838575"/>
+            <a:off x="2610963" y="1785633"/>
+            <a:ext cx="6619875" cy="3714750"/>
           </a:xfrm>
           <a:prstGeom prst="rect">
             <a:avLst/>
@@ -4288,59 +5846,47 @@
           </a:extLst>
         </p:spPr>
       </p:pic>
-      <p:pic>
-        <p:nvPicPr>
-          <p:cNvPr id="3074" name="Picture 2">
+      <p:sp>
+        <p:nvSpPr>
+          <p:cNvPr id="2" name="Rectangle 1">
             <a:extLst>
               <a:ext uri="{FF2B5EF4-FFF2-40B4-BE49-F238E27FC236}">
-                <a16:creationId xmlns:a16="http://schemas.microsoft.com/office/drawing/2014/main" id="{EADDDF63-8B31-47BD-846D-13015CFE7D3D}"/>
+                <a16:creationId xmlns:a16="http://schemas.microsoft.com/office/drawing/2014/main" id="{1404D704-EC70-4F9E-9D6E-1210E5ADE3F4}"/>
               </a:ext>
             </a:extLst>
           </p:cNvPr>
-          <p:cNvPicPr>
-            <a:picLocks noChangeAspect="1" noChangeArrowheads="1"/>
-          </p:cNvPicPr>
+          <p:cNvSpPr/>
           <p:nvPr/>
-        </p:nvPicPr>
-        <p:blipFill>
-          <a:blip r:embed="rId3" cstate="print">
-            <a:extLst>
-              <a:ext uri="{28A0092B-C50C-407E-A947-70E740481C1C}">
-                <a14:useLocalDpi xmlns:a14="http://schemas.microsoft.com/office/drawing/2010/main" val="0"/>
-              </a:ext>
-            </a:extLst>
-          </a:blip>
-          <a:srcRect/>
-          <a:stretch>
-            <a:fillRect/>
-          </a:stretch>
-        </p:blipFill>
-        <p:spPr bwMode="auto">
-          <a:xfrm>
-            <a:off x="9147181" y="5335480"/>
-            <a:ext cx="2642338" cy="1096392"/>
+        </p:nvSpPr>
+        <p:spPr>
+          <a:xfrm>
+            <a:off x="4893907" y="627594"/>
+            <a:ext cx="2471767" cy="369332"/>
           </a:xfrm>
           <a:prstGeom prst="rect">
             <a:avLst/>
           </a:prstGeom>
-          <a:noFill/>
-          <a:extLst>
-            <a:ext uri="{909E8E84-426E-40DD-AFC4-6F175D3DCCD1}">
-              <a14:hiddenFill xmlns:a14="http://schemas.microsoft.com/office/drawing/2010/main">
-                <a:solidFill>
-                  <a:srgbClr val="FFFFFF"/>
-                </a:solidFill>
-              </a14:hiddenFill>
-            </a:ext>
-          </a:extLst>
-        </p:spPr>
-      </p:pic>
-      <p:sp>
-        <p:nvSpPr>
-          <p:cNvPr id="5" name="Rectangle 4">
+        </p:spPr>
+        <p:txBody>
+          <a:bodyPr wrap="none">
+            <a:spAutoFit/>
+          </a:bodyPr>
+          <a:lstStyle/>
+          <a:p>
+            <a:r>
+              <a:rPr lang="en-US" dirty="0"/>
+              <a:t>PRO co-culture vs axenic</a:t>
+            </a:r>
+            <a:endParaRPr lang="LID4096" dirty="0"/>
+          </a:p>
+        </p:txBody>
+      </p:sp>
+      <p:sp>
+        <p:nvSpPr>
+          <p:cNvPr id="4" name="Rectangle 3">
             <a:extLst>
               <a:ext uri="{FF2B5EF4-FFF2-40B4-BE49-F238E27FC236}">
-                <a16:creationId xmlns:a16="http://schemas.microsoft.com/office/drawing/2014/main" id="{0A9310B3-A444-4D18-8283-09904C499AE2}"/>
+                <a16:creationId xmlns:a16="http://schemas.microsoft.com/office/drawing/2014/main" id="{398864B8-F369-44FF-B6C1-962993F0CB72}"/>
               </a:ext>
             </a:extLst>
           </p:cNvPr>
@@ -4349,8 +5895,8 @@
         </p:nvSpPr>
         <p:spPr>
           <a:xfrm>
-            <a:off x="642151" y="4112516"/>
-            <a:ext cx="4329344" cy="2308324"/>
+            <a:off x="1413752" y="5907240"/>
+            <a:ext cx="10687455" cy="646331"/>
           </a:xfrm>
           <a:prstGeom prst="rect">
             <a:avLst/>
@@ -4363,174 +5909,46 @@
           <a:lstStyle/>
           <a:p>
             <a:r>
-              <a:rPr lang="en-US" b="1" dirty="0"/>
-              <a:t>day=60</a:t>
-            </a:r>
-          </a:p>
-          <a:p>
-            <a:r>
               <a:rPr lang="en-US" dirty="0"/>
-              <a:t>MIT9312-MED4       2.979887e-13</a:t>
-            </a:r>
-          </a:p>
-          <a:p>
+              <a:t>day=60 </a:t>
+            </a:r>
+            <a:r>
+              <a:rPr lang="en-US" dirty="0" err="1"/>
+              <a:t>Ttest_indResult</a:t>
+            </a:r>
             <a:r>
               <a:rPr lang="en-US" dirty="0"/>
-              <a:t>MIT9313-MED4       4.044107e-11</a:t>
-            </a:r>
-          </a:p>
-          <a:p>
+              <a:t>(statistic=6.513651102735099, </a:t>
+            </a:r>
+            <a:r>
+              <a:rPr lang="en-US" dirty="0" err="1"/>
+              <a:t>pvalue</a:t>
+            </a:r>
             <a:r>
               <a:rPr lang="en-US" dirty="0"/>
-              <a:t>Natl2A-MED4        1.864648e-02</a:t>
+              <a:t>=4.737550066995795e-09)</a:t>
             </a:r>
           </a:p>
           <a:p>
             <a:r>
               <a:rPr lang="en-US" dirty="0"/>
-              <a:t>MIT9312-MIT0604    1.604945e-08</a:t>
-            </a:r>
-          </a:p>
-          <a:p>
+              <a:t>day=100 </a:t>
+            </a:r>
+            <a:r>
+              <a:rPr lang="en-US" dirty="0" err="1"/>
+              <a:t>Ttest_indResult</a:t>
+            </a:r>
             <a:r>
               <a:rPr lang="en-US" dirty="0"/>
-              <a:t>MIT9313-MIT0604    1.692750e-06</a:t>
-            </a:r>
-          </a:p>
-          <a:p>
+              <a:t>(statistic=5.429712102261257, </a:t>
+            </a:r>
+            <a:r>
+              <a:rPr lang="en-US" dirty="0" err="1"/>
+              <a:t>pvalue</a:t>
+            </a:r>
             <a:r>
               <a:rPr lang="en-US" dirty="0"/>
-              <a:t>Natl2A-MIT9312     1.094969e-07</a:t>
-            </a:r>
-          </a:p>
-          <a:p>
-            <a:r>
-              <a:rPr lang="en-US" dirty="0"/>
-              <a:t>Natl2A-MIT9313     1.397843e-05</a:t>
-            </a:r>
-            <a:endParaRPr lang="LID4096" dirty="0"/>
-          </a:p>
-        </p:txBody>
-      </p:sp>
-      <p:sp>
-        <p:nvSpPr>
-          <p:cNvPr id="7" name="Rectangle 6">
-            <a:extLst>
-              <a:ext uri="{FF2B5EF4-FFF2-40B4-BE49-F238E27FC236}">
-                <a16:creationId xmlns:a16="http://schemas.microsoft.com/office/drawing/2014/main" id="{79B22F73-0B45-4F52-9630-76B073CB8BA7}"/>
-              </a:ext>
-            </a:extLst>
-          </p:cNvPr>
-          <p:cNvSpPr/>
-          <p:nvPr/>
-        </p:nvSpPr>
-        <p:spPr>
-          <a:xfrm>
-            <a:off x="5034173" y="4123548"/>
-            <a:ext cx="3577167" cy="2308324"/>
-          </a:xfrm>
-          <a:prstGeom prst="rect">
-            <a:avLst/>
-          </a:prstGeom>
-        </p:spPr>
-        <p:txBody>
-          <a:bodyPr wrap="square">
-            <a:spAutoFit/>
-          </a:bodyPr>
-          <a:lstStyle/>
-          <a:p>
-            <a:r>
-              <a:rPr lang="en-US" b="1" dirty="0"/>
-              <a:t>day=100</a:t>
-            </a:r>
-          </a:p>
-          <a:p>
-            <a:r>
-              <a:rPr lang="en-US" dirty="0"/>
-              <a:t>MIT9312-MED4       1.136526e-10</a:t>
-            </a:r>
-          </a:p>
-          <a:p>
-            <a:r>
-              <a:rPr lang="en-US" dirty="0"/>
-              <a:t>MIT9313-MED4       1.098858e-14</a:t>
-            </a:r>
-          </a:p>
-          <a:p>
-            <a:r>
-              <a:rPr lang="en-US" dirty="0"/>
-              <a:t>Natl2A-MED4        8.780070e-05</a:t>
-            </a:r>
-          </a:p>
-          <a:p>
-            <a:r>
-              <a:rPr lang="en-US" dirty="0"/>
-              <a:t>MIT9312-MIT0604    3.664213e-05</a:t>
-            </a:r>
-          </a:p>
-          <a:p>
-            <a:r>
-              <a:rPr lang="en-US" dirty="0"/>
-              <a:t>MIT9313-MIT0604    6.278300e-09</a:t>
-            </a:r>
-          </a:p>
-          <a:p>
-            <a:r>
-              <a:rPr lang="en-US" dirty="0"/>
-              <a:t>Natl2A-MIT9312     1.327496e-02</a:t>
-            </a:r>
-          </a:p>
-          <a:p>
-            <a:r>
-              <a:rPr lang="en-US" dirty="0"/>
-              <a:t>Natl2A-MIT9313     4.431006e-06</a:t>
-            </a:r>
-            <a:endParaRPr lang="LID4096" dirty="0"/>
-          </a:p>
-        </p:txBody>
-      </p:sp>
-      <p:sp>
-        <p:nvSpPr>
-          <p:cNvPr id="9" name="Rectangle 8">
-            <a:extLst>
-              <a:ext uri="{FF2B5EF4-FFF2-40B4-BE49-F238E27FC236}">
-                <a16:creationId xmlns:a16="http://schemas.microsoft.com/office/drawing/2014/main" id="{434E44BE-0BFF-43C0-A29A-3EAD7FAC4543}"/>
-              </a:ext>
-            </a:extLst>
-          </p:cNvPr>
-          <p:cNvSpPr/>
-          <p:nvPr/>
-        </p:nvSpPr>
-        <p:spPr>
-          <a:xfrm>
-            <a:off x="8535053" y="4112516"/>
-            <a:ext cx="3076940" cy="923330"/>
-          </a:xfrm>
-          <a:prstGeom prst="rect">
-            <a:avLst/>
-          </a:prstGeom>
-        </p:spPr>
-        <p:txBody>
-          <a:bodyPr wrap="square">
-            <a:spAutoFit/>
-          </a:bodyPr>
-          <a:lstStyle/>
-          <a:p>
-            <a:r>
-              <a:rPr lang="en-US" b="1" dirty="0"/>
-              <a:t>day=140</a:t>
-            </a:r>
-          </a:p>
-          <a:p>
-            <a:r>
-              <a:rPr lang="en-US" dirty="0"/>
-              <a:t>MIT9312-MIT0604    0.006170</a:t>
-            </a:r>
-          </a:p>
-          <a:p>
-            <a:r>
-              <a:rPr lang="en-US" dirty="0"/>
-              <a:t>Natl2A-MIT9312     0.004391</a:t>
+              <a:t>=5.150855380193557e-07)</a:t>
             </a:r>
             <a:endParaRPr lang="LID4096" dirty="0"/>
           </a:p>
@@ -4539,7 +5957,7 @@
     </p:spTree>
     <p:extLst>
       <p:ext uri="{BB962C8B-B14F-4D97-AF65-F5344CB8AC3E}">
-        <p14:creationId xmlns:p14="http://schemas.microsoft.com/office/powerpoint/2010/main" val="3069967273"/>
+        <p14:creationId xmlns:p14="http://schemas.microsoft.com/office/powerpoint/2010/main" val="3318110847"/>
       </p:ext>
     </p:extLst>
   </p:cSld>
@@ -4568,10 +5986,10 @@
       </p:grpSpPr>
       <p:pic>
         <p:nvPicPr>
-          <p:cNvPr id="4098" name="Picture 2">
+          <p:cNvPr id="8194" name="Picture 2">
             <a:extLst>
               <a:ext uri="{FF2B5EF4-FFF2-40B4-BE49-F238E27FC236}">
-                <a16:creationId xmlns:a16="http://schemas.microsoft.com/office/drawing/2014/main" id="{E3F7AB45-3484-4F50-AC86-3B2E89AED8F7}"/>
+                <a16:creationId xmlns:a16="http://schemas.microsoft.com/office/drawing/2014/main" id="{E5CF8492-B643-4C44-9AFA-BA561B394AD5}"/>
               </a:ext>
             </a:extLst>
           </p:cNvPr>
@@ -4595,8 +6013,8 @@
         </p:blipFill>
         <p:spPr bwMode="auto">
           <a:xfrm>
-            <a:off x="1071562" y="376608"/>
-            <a:ext cx="10048875" cy="3743325"/>
+            <a:off x="1963062" y="1814511"/>
+            <a:ext cx="3324225" cy="3228975"/>
           </a:xfrm>
           <a:prstGeom prst="rect">
             <a:avLst/>
@@ -4613,133 +6031,57 @@
           </a:extLst>
         </p:spPr>
       </p:pic>
-      <p:sp>
-        <p:nvSpPr>
-          <p:cNvPr id="3" name="Rectangle 2">
+      <p:pic>
+        <p:nvPicPr>
+          <p:cNvPr id="8196" name="Picture 4">
             <a:extLst>
               <a:ext uri="{FF2B5EF4-FFF2-40B4-BE49-F238E27FC236}">
-                <a16:creationId xmlns:a16="http://schemas.microsoft.com/office/drawing/2014/main" id="{BB4A8A4A-6E53-41F0-8DCD-091C1F532F08}"/>
+                <a16:creationId xmlns:a16="http://schemas.microsoft.com/office/drawing/2014/main" id="{9E90D773-6FB1-4F43-B071-08380F512432}"/>
               </a:ext>
             </a:extLst>
           </p:cNvPr>
-          <p:cNvSpPr/>
+          <p:cNvPicPr>
+            <a:picLocks noChangeAspect="1" noChangeArrowheads="1"/>
+          </p:cNvPicPr>
           <p:nvPr/>
-        </p:nvSpPr>
-        <p:spPr>
-          <a:xfrm>
-            <a:off x="1071562" y="4597284"/>
-            <a:ext cx="6096000" cy="646331"/>
+        </p:nvPicPr>
+        <p:blipFill>
+          <a:blip r:embed="rId3">
+            <a:extLst>
+              <a:ext uri="{28A0092B-C50C-407E-A947-70E740481C1C}">
+                <a14:useLocalDpi xmlns:a14="http://schemas.microsoft.com/office/drawing/2010/main" val="0"/>
+              </a:ext>
+            </a:extLst>
+          </a:blip>
+          <a:srcRect/>
+          <a:stretch>
+            <a:fillRect/>
+          </a:stretch>
+        </p:blipFill>
+        <p:spPr bwMode="auto">
+          <a:xfrm>
+            <a:off x="5735976" y="1814510"/>
+            <a:ext cx="3190875" cy="3228975"/>
           </a:xfrm>
           <a:prstGeom prst="rect">
             <a:avLst/>
           </a:prstGeom>
-        </p:spPr>
-        <p:txBody>
-          <a:bodyPr>
-            <a:spAutoFit/>
-          </a:bodyPr>
-          <a:lstStyle/>
-          <a:p>
-            <a:r>
-              <a:rPr lang="en-US" dirty="0"/>
-              <a:t>ALT cells as function of ALT strain, day=60</a:t>
-            </a:r>
-          </a:p>
-          <a:p>
-            <a:r>
-              <a:rPr lang="en-US" dirty="0"/>
-              <a:t>DE1-BS11    0.026893</a:t>
-            </a:r>
-            <a:endParaRPr lang="LID4096" dirty="0"/>
-          </a:p>
-        </p:txBody>
-      </p:sp>
-      <p:sp>
-        <p:nvSpPr>
-          <p:cNvPr id="5" name="Rectangle 4">
-            <a:extLst>
-              <a:ext uri="{FF2B5EF4-FFF2-40B4-BE49-F238E27FC236}">
-                <a16:creationId xmlns:a16="http://schemas.microsoft.com/office/drawing/2014/main" id="{C42161E2-CB51-4A12-B7B0-0D53FA1DAB38}"/>
-              </a:ext>
-            </a:extLst>
-          </p:cNvPr>
-          <p:cNvSpPr/>
-          <p:nvPr/>
-        </p:nvSpPr>
-        <p:spPr>
-          <a:xfrm>
-            <a:off x="1071562" y="5351634"/>
-            <a:ext cx="4175567" cy="369332"/>
-          </a:xfrm>
-          <a:prstGeom prst="rect">
-            <a:avLst/>
-          </a:prstGeom>
-        </p:spPr>
-        <p:txBody>
-          <a:bodyPr wrap="none">
-            <a:spAutoFit/>
-          </a:bodyPr>
-          <a:lstStyle/>
-          <a:p>
-            <a:r>
-              <a:rPr lang="en-US" dirty="0"/>
-              <a:t>ALT cells as function of ALT strain, day=100</a:t>
-            </a:r>
-            <a:endParaRPr lang="LID4096" dirty="0"/>
-          </a:p>
-        </p:txBody>
-      </p:sp>
-      <p:sp>
-        <p:nvSpPr>
-          <p:cNvPr id="7" name="Rectangle 6">
-            <a:extLst>
-              <a:ext uri="{FF2B5EF4-FFF2-40B4-BE49-F238E27FC236}">
-                <a16:creationId xmlns:a16="http://schemas.microsoft.com/office/drawing/2014/main" id="{29362F90-86A4-41AC-BC27-18EE9180AB0F}"/>
-              </a:ext>
-            </a:extLst>
-          </p:cNvPr>
-          <p:cNvSpPr/>
-          <p:nvPr/>
-        </p:nvSpPr>
-        <p:spPr>
-          <a:xfrm>
-            <a:off x="6607945" y="4595935"/>
-            <a:ext cx="4418121" cy="923330"/>
-          </a:xfrm>
-          <a:prstGeom prst="rect">
-            <a:avLst/>
-          </a:prstGeom>
-        </p:spPr>
-        <p:txBody>
-          <a:bodyPr wrap="square">
-            <a:spAutoFit/>
-          </a:bodyPr>
-          <a:lstStyle/>
-          <a:p>
-            <a:r>
-              <a:rPr lang="en-US" dirty="0"/>
-              <a:t>ALT cells as function of ALT strain, day=140</a:t>
-            </a:r>
-          </a:p>
-          <a:p>
-            <a:r>
-              <a:rPr lang="en-US" dirty="0"/>
-              <a:t>DE-ATCC    0.015878</a:t>
-            </a:r>
-          </a:p>
-          <a:p>
-            <a:r>
-              <a:rPr lang="en-US" dirty="0"/>
-              <a:t>DE-BS11    0.001400</a:t>
-            </a:r>
-            <a:endParaRPr lang="LID4096" dirty="0"/>
-          </a:p>
-        </p:txBody>
-      </p:sp>
+          <a:noFill/>
+          <a:extLst>
+            <a:ext uri="{909E8E84-426E-40DD-AFC4-6F175D3DCCD1}">
+              <a14:hiddenFill xmlns:a14="http://schemas.microsoft.com/office/drawing/2010/main">
+                <a:solidFill>
+                  <a:srgbClr val="FFFFFF"/>
+                </a:solidFill>
+              </a14:hiddenFill>
+            </a:ext>
+          </a:extLst>
+        </p:spPr>
+      </p:pic>
     </p:spTree>
     <p:extLst>
       <p:ext uri="{BB962C8B-B14F-4D97-AF65-F5344CB8AC3E}">
-        <p14:creationId xmlns:p14="http://schemas.microsoft.com/office/powerpoint/2010/main" val="434632749"/>
+        <p14:creationId xmlns:p14="http://schemas.microsoft.com/office/powerpoint/2010/main" val="857257470"/>
       </p:ext>
     </p:extLst>
   </p:cSld>
@@ -4768,10 +6110,10 @@
       </p:grpSpPr>
       <p:pic>
         <p:nvPicPr>
-          <p:cNvPr id="5122" name="Picture 2">
+          <p:cNvPr id="3079" name="Picture 7">
             <a:extLst>
               <a:ext uri="{FF2B5EF4-FFF2-40B4-BE49-F238E27FC236}">
-                <a16:creationId xmlns:a16="http://schemas.microsoft.com/office/drawing/2014/main" id="{A5D9F453-25BD-4836-B22D-877AC5551297}"/>
+                <a16:creationId xmlns:a16="http://schemas.microsoft.com/office/drawing/2014/main" id="{B8986805-BEEE-4905-AA4E-03BA080340DC}"/>
               </a:ext>
             </a:extLst>
           </p:cNvPr>
@@ -4795,7 +6137,7 @@
         </p:blipFill>
         <p:spPr bwMode="auto">
           <a:xfrm>
-            <a:off x="1071562" y="426638"/>
+            <a:off x="766437" y="235644"/>
             <a:ext cx="10048875" cy="3838575"/>
           </a:xfrm>
           <a:prstGeom prst="rect">
@@ -4813,12 +6155,59 @@
           </a:extLst>
         </p:spPr>
       </p:pic>
-      <p:sp>
-        <p:nvSpPr>
-          <p:cNvPr id="3" name="Rectangle 2">
+      <p:pic>
+        <p:nvPicPr>
+          <p:cNvPr id="3074" name="Picture 2">
             <a:extLst>
               <a:ext uri="{FF2B5EF4-FFF2-40B4-BE49-F238E27FC236}">
-                <a16:creationId xmlns:a16="http://schemas.microsoft.com/office/drawing/2014/main" id="{5AA466CE-8C0C-4B8E-B7F4-0FA93CE01D60}"/>
+                <a16:creationId xmlns:a16="http://schemas.microsoft.com/office/drawing/2014/main" id="{EADDDF63-8B31-47BD-846D-13015CFE7D3D}"/>
+              </a:ext>
+            </a:extLst>
+          </p:cNvPr>
+          <p:cNvPicPr>
+            <a:picLocks noChangeAspect="1" noChangeArrowheads="1"/>
+          </p:cNvPicPr>
+          <p:nvPr/>
+        </p:nvPicPr>
+        <p:blipFill>
+          <a:blip r:embed="rId3" cstate="print">
+            <a:extLst>
+              <a:ext uri="{28A0092B-C50C-407E-A947-70E740481C1C}">
+                <a14:useLocalDpi xmlns:a14="http://schemas.microsoft.com/office/drawing/2010/main" val="0"/>
+              </a:ext>
+            </a:extLst>
+          </a:blip>
+          <a:srcRect/>
+          <a:stretch>
+            <a:fillRect/>
+          </a:stretch>
+        </p:blipFill>
+        <p:spPr bwMode="auto">
+          <a:xfrm>
+            <a:off x="9147181" y="5335480"/>
+            <a:ext cx="2642338" cy="1096392"/>
+          </a:xfrm>
+          <a:prstGeom prst="rect">
+            <a:avLst/>
+          </a:prstGeom>
+          <a:noFill/>
+          <a:extLst>
+            <a:ext uri="{909E8E84-426E-40DD-AFC4-6F175D3DCCD1}">
+              <a14:hiddenFill xmlns:a14="http://schemas.microsoft.com/office/drawing/2010/main">
+                <a:solidFill>
+                  <a:srgbClr val="FFFFFF"/>
+                </a:solidFill>
+              </a14:hiddenFill>
+            </a:ext>
+          </a:extLst>
+        </p:spPr>
+      </p:pic>
+      <p:sp>
+        <p:nvSpPr>
+          <p:cNvPr id="5" name="Rectangle 4">
+            <a:extLst>
+              <a:ext uri="{FF2B5EF4-FFF2-40B4-BE49-F238E27FC236}">
+                <a16:creationId xmlns:a16="http://schemas.microsoft.com/office/drawing/2014/main" id="{0A9310B3-A444-4D18-8283-09904C499AE2}"/>
               </a:ext>
             </a:extLst>
           </p:cNvPr>
@@ -4827,8 +6216,8 @@
         </p:nvSpPr>
         <p:spPr>
           <a:xfrm>
-            <a:off x="419887" y="4368216"/>
-            <a:ext cx="4107726" cy="1754326"/>
+            <a:off x="642151" y="4112516"/>
+            <a:ext cx="4329344" cy="2308324"/>
           </a:xfrm>
           <a:prstGeom prst="rect">
             <a:avLst/>
@@ -4841,32 +6230,50 @@
           <a:lstStyle/>
           <a:p>
             <a:r>
+              <a:rPr lang="en-US" b="1" dirty="0"/>
+              <a:t>day=60</a:t>
+            </a:r>
+          </a:p>
+          <a:p>
+            <a:r>
               <a:rPr lang="en-US" dirty="0"/>
-              <a:t>PRO cells as function of PRO strain, day=60</a:t>
+              <a:t>MIT9312-MED4       2.979887e-13</a:t>
             </a:r>
           </a:p>
           <a:p>
             <a:r>
               <a:rPr lang="en-US" dirty="0"/>
-              <a:t>Natl2A-MED4       3.651113e-04</a:t>
+              <a:t>MIT9313-MED4       4.044107e-11</a:t>
             </a:r>
           </a:p>
           <a:p>
             <a:r>
               <a:rPr lang="en-US" dirty="0"/>
-              <a:t>Natl2A-MIT0604    3.004083e-03</a:t>
+              <a:t>Natl2A-MED4        1.864648e-02</a:t>
             </a:r>
           </a:p>
           <a:p>
             <a:r>
               <a:rPr lang="en-US" dirty="0"/>
-              <a:t>Natl2A-MIT9312    1.138943e-04</a:t>
+              <a:t>MIT9312-MIT0604    1.604945e-08</a:t>
             </a:r>
           </a:p>
           <a:p>
             <a:r>
               <a:rPr lang="en-US" dirty="0"/>
-              <a:t>Natl2A-MIT9313    3.337528e-07</a:t>
+              <a:t>MIT9313-MIT0604    1.692750e-06</a:t>
+            </a:r>
+          </a:p>
+          <a:p>
+            <a:r>
+              <a:rPr lang="en-US" dirty="0"/>
+              <a:t>Natl2A-MIT9312     1.094969e-07</a:t>
+            </a:r>
+          </a:p>
+          <a:p>
+            <a:r>
+              <a:rPr lang="en-US" dirty="0"/>
+              <a:t>Natl2A-MIT9313     1.397843e-05</a:t>
             </a:r>
             <a:endParaRPr lang="LID4096" dirty="0"/>
           </a:p>
@@ -4877,7 +6284,7 @@
           <p:cNvPr id="7" name="Rectangle 6">
             <a:extLst>
               <a:ext uri="{FF2B5EF4-FFF2-40B4-BE49-F238E27FC236}">
-                <a16:creationId xmlns:a16="http://schemas.microsoft.com/office/drawing/2014/main" id="{5FAC4114-0127-483B-80AC-9F3AC47CB2C4}"/>
+                <a16:creationId xmlns:a16="http://schemas.microsoft.com/office/drawing/2014/main" id="{79B22F73-0B45-4F52-9630-76B073CB8BA7}"/>
               </a:ext>
             </a:extLst>
           </p:cNvPr>
@@ -4886,8 +6293,8 @@
         </p:nvSpPr>
         <p:spPr>
           <a:xfrm>
-            <a:off x="4367813" y="4471219"/>
-            <a:ext cx="3648723" cy="1754326"/>
+            <a:off x="5034173" y="4123548"/>
+            <a:ext cx="3577167" cy="2308324"/>
           </a:xfrm>
           <a:prstGeom prst="rect">
             <a:avLst/>
@@ -4900,32 +6307,50 @@
           <a:lstStyle/>
           <a:p>
             <a:r>
+              <a:rPr lang="en-US" b="1" dirty="0"/>
+              <a:t>day=100</a:t>
+            </a:r>
+          </a:p>
+          <a:p>
+            <a:r>
               <a:rPr lang="en-US" dirty="0"/>
-              <a:t>PRO cells as function of PRO strain, day=100</a:t>
+              <a:t>MIT9312-MED4       1.136526e-10</a:t>
             </a:r>
           </a:p>
           <a:p>
             <a:r>
               <a:rPr lang="en-US" dirty="0"/>
-              <a:t>MIT0604-MED4       7.931135e-03</a:t>
+              <a:t>MIT9313-MED4       1.098858e-14</a:t>
             </a:r>
           </a:p>
           <a:p>
             <a:r>
               <a:rPr lang="en-US" dirty="0"/>
-              <a:t>MIT9313-MED4       4.218253e-07</a:t>
+              <a:t>Natl2A-MED4        8.780070e-05</a:t>
             </a:r>
           </a:p>
           <a:p>
             <a:r>
               <a:rPr lang="en-US" dirty="0"/>
-              <a:t>MIT9313-MIT9312    7.736621e-04</a:t>
+              <a:t>MIT9312-MIT0604    3.664213e-05</a:t>
             </a:r>
           </a:p>
           <a:p>
             <a:r>
               <a:rPr lang="en-US" dirty="0"/>
-              <a:t>Natl2A-MIT9313     2.501980e-05</a:t>
+              <a:t>MIT9313-MIT0604    6.278300e-09</a:t>
+            </a:r>
+          </a:p>
+          <a:p>
+            <a:r>
+              <a:rPr lang="en-US" dirty="0"/>
+              <a:t>Natl2A-MIT9312     1.327496e-02</a:t>
+            </a:r>
+          </a:p>
+          <a:p>
+            <a:r>
+              <a:rPr lang="en-US" dirty="0"/>
+              <a:t>Natl2A-MIT9313     4.431006e-06</a:t>
             </a:r>
             <a:endParaRPr lang="LID4096" dirty="0"/>
           </a:p>
@@ -4936,7 +6361,7 @@
           <p:cNvPr id="9" name="Rectangle 8">
             <a:extLst>
               <a:ext uri="{FF2B5EF4-FFF2-40B4-BE49-F238E27FC236}">
-                <a16:creationId xmlns:a16="http://schemas.microsoft.com/office/drawing/2014/main" id="{73DB22D6-B13D-492F-84F0-FF51D95A8893}"/>
+                <a16:creationId xmlns:a16="http://schemas.microsoft.com/office/drawing/2014/main" id="{434E44BE-0BFF-43C0-A29A-3EAD7FAC4543}"/>
               </a:ext>
             </a:extLst>
           </p:cNvPr>
@@ -4945,8 +6370,8 @@
         </p:nvSpPr>
         <p:spPr>
           <a:xfrm>
-            <a:off x="8016536" y="4506715"/>
-            <a:ext cx="3755577" cy="1754326"/>
+            <a:off x="8535053" y="4112516"/>
+            <a:ext cx="3076940" cy="923330"/>
           </a:xfrm>
           <a:prstGeom prst="rect">
             <a:avLst/>
@@ -4959,32 +6384,20 @@
           <a:lstStyle/>
           <a:p>
             <a:r>
-              <a:rPr lang="de-DE" dirty="0"/>
-              <a:t>PRO cells as function of PRO strain, day=140</a:t>
-            </a:r>
-          </a:p>
-          <a:p>
-            <a:r>
-              <a:rPr lang="de-DE" dirty="0"/>
-              <a:t>MIT0604-MED4       7.503304e-08</a:t>
-            </a:r>
-          </a:p>
-          <a:p>
-            <a:r>
-              <a:rPr lang="de-DE" dirty="0"/>
-              <a:t>MIT9312-MIT0604    4.592467e-08</a:t>
-            </a:r>
-          </a:p>
-          <a:p>
-            <a:r>
-              <a:rPr lang="de-DE" dirty="0"/>
-              <a:t>MIT9313-MIT0604    1.271490e-07</a:t>
-            </a:r>
-          </a:p>
-          <a:p>
-            <a:r>
-              <a:rPr lang="de-DE" dirty="0"/>
-              <a:t>Natl2A-MIT0604     2.728215e-03</a:t>
+              <a:rPr lang="en-US" b="1" dirty="0"/>
+              <a:t>day=140</a:t>
+            </a:r>
+          </a:p>
+          <a:p>
+            <a:r>
+              <a:rPr lang="en-US" dirty="0"/>
+              <a:t>MIT9312-MIT0604    0.006170</a:t>
+            </a:r>
+          </a:p>
+          <a:p>
+            <a:r>
+              <a:rPr lang="en-US" dirty="0"/>
+              <a:t>Natl2A-MIT9312     0.004391</a:t>
             </a:r>
             <a:endParaRPr lang="LID4096" dirty="0"/>
           </a:p>
@@ -4993,7 +6406,7 @@
     </p:spTree>
     <p:extLst>
       <p:ext uri="{BB962C8B-B14F-4D97-AF65-F5344CB8AC3E}">
-        <p14:creationId xmlns:p14="http://schemas.microsoft.com/office/powerpoint/2010/main" val="3789739658"/>
+        <p14:creationId xmlns:p14="http://schemas.microsoft.com/office/powerpoint/2010/main" val="3069967273"/>
       </p:ext>
     </p:extLst>
   </p:cSld>
@@ -5020,117 +6433,12 @@
           <a:chExt cx="0" cy="0"/>
         </a:xfrm>
       </p:grpSpPr>
-      <p:sp>
-        <p:nvSpPr>
-          <p:cNvPr id="3" name="Rectangle 2">
-            <a:extLst>
-              <a:ext uri="{FF2B5EF4-FFF2-40B4-BE49-F238E27FC236}">
-                <a16:creationId xmlns:a16="http://schemas.microsoft.com/office/drawing/2014/main" id="{E154B489-6C37-4FF9-9437-375FFA9642AC}"/>
-              </a:ext>
-            </a:extLst>
-          </p:cNvPr>
-          <p:cNvSpPr/>
-          <p:nvPr/>
-        </p:nvSpPr>
-        <p:spPr>
-          <a:xfrm>
-            <a:off x="874098" y="4207348"/>
-            <a:ext cx="4126130" cy="369332"/>
-          </a:xfrm>
-          <a:prstGeom prst="rect">
-            <a:avLst/>
-          </a:prstGeom>
-        </p:spPr>
-        <p:txBody>
-          <a:bodyPr wrap="none">
-            <a:spAutoFit/>
-          </a:bodyPr>
-          <a:lstStyle/>
-          <a:p>
-            <a:r>
-              <a:rPr lang="en-US" dirty="0"/>
-              <a:t>PRO cells as function of ALT strain, day=60</a:t>
-            </a:r>
-            <a:endParaRPr lang="LID4096" dirty="0"/>
-          </a:p>
-        </p:txBody>
-      </p:sp>
-      <p:sp>
-        <p:nvSpPr>
-          <p:cNvPr id="5" name="Rectangle 4">
-            <a:extLst>
-              <a:ext uri="{FF2B5EF4-FFF2-40B4-BE49-F238E27FC236}">
-                <a16:creationId xmlns:a16="http://schemas.microsoft.com/office/drawing/2014/main" id="{26C9CBBC-8EE3-42D9-9F57-60D31CCB0155}"/>
-              </a:ext>
-            </a:extLst>
-          </p:cNvPr>
-          <p:cNvSpPr/>
-          <p:nvPr/>
-        </p:nvSpPr>
-        <p:spPr>
-          <a:xfrm>
-            <a:off x="757080" y="4712916"/>
-            <a:ext cx="4243149" cy="369332"/>
-          </a:xfrm>
-          <a:prstGeom prst="rect">
-            <a:avLst/>
-          </a:prstGeom>
-        </p:spPr>
-        <p:txBody>
-          <a:bodyPr wrap="none">
-            <a:spAutoFit/>
-          </a:bodyPr>
-          <a:lstStyle/>
-          <a:p>
-            <a:r>
-              <a:rPr lang="en-US" dirty="0"/>
-              <a:t>PRO cells as function of ALT strain, day=100</a:t>
-            </a:r>
-            <a:endParaRPr lang="LID4096" dirty="0"/>
-          </a:p>
-        </p:txBody>
-      </p:sp>
-      <p:sp>
-        <p:nvSpPr>
-          <p:cNvPr id="7" name="Rectangle 6">
-            <a:extLst>
-              <a:ext uri="{FF2B5EF4-FFF2-40B4-BE49-F238E27FC236}">
-                <a16:creationId xmlns:a16="http://schemas.microsoft.com/office/drawing/2014/main" id="{DFE133A4-FCC3-42E2-AA1F-8877E7752DB8}"/>
-              </a:ext>
-            </a:extLst>
-          </p:cNvPr>
-          <p:cNvSpPr/>
-          <p:nvPr/>
-        </p:nvSpPr>
-        <p:spPr>
-          <a:xfrm>
-            <a:off x="757079" y="5479534"/>
-            <a:ext cx="4243149" cy="369332"/>
-          </a:xfrm>
-          <a:prstGeom prst="rect">
-            <a:avLst/>
-          </a:prstGeom>
-        </p:spPr>
-        <p:txBody>
-          <a:bodyPr wrap="none">
-            <a:spAutoFit/>
-          </a:bodyPr>
-          <a:lstStyle/>
-          <a:p>
-            <a:r>
-              <a:rPr lang="en-US" dirty="0"/>
-              <a:t>PRO cells as function of ALT strain, day=140</a:t>
-            </a:r>
-            <a:endParaRPr lang="LID4096" dirty="0"/>
-          </a:p>
-        </p:txBody>
-      </p:sp>
       <p:pic>
         <p:nvPicPr>
-          <p:cNvPr id="6149" name="Picture 5">
+          <p:cNvPr id="4098" name="Picture 2">
             <a:extLst>
               <a:ext uri="{FF2B5EF4-FFF2-40B4-BE49-F238E27FC236}">
-                <a16:creationId xmlns:a16="http://schemas.microsoft.com/office/drawing/2014/main" id="{4CBFFAAD-E2EA-49F3-BCE1-7CCC80334329}"/>
+                <a16:creationId xmlns:a16="http://schemas.microsoft.com/office/drawing/2014/main" id="{E3F7AB45-3484-4F50-AC86-3B2E89AED8F7}"/>
               </a:ext>
             </a:extLst>
           </p:cNvPr>
@@ -5154,7 +6462,7 @@
         </p:blipFill>
         <p:spPr bwMode="auto">
           <a:xfrm>
-            <a:off x="683188" y="395905"/>
+            <a:off x="1071562" y="376608"/>
             <a:ext cx="10048875" cy="3743325"/>
           </a:xfrm>
           <a:prstGeom prst="rect">
@@ -5172,10 +6480,133 @@
           </a:extLst>
         </p:spPr>
       </p:pic>
+      <p:sp>
+        <p:nvSpPr>
+          <p:cNvPr id="3" name="Rectangle 2">
+            <a:extLst>
+              <a:ext uri="{FF2B5EF4-FFF2-40B4-BE49-F238E27FC236}">
+                <a16:creationId xmlns:a16="http://schemas.microsoft.com/office/drawing/2014/main" id="{BB4A8A4A-6E53-41F0-8DCD-091C1F532F08}"/>
+              </a:ext>
+            </a:extLst>
+          </p:cNvPr>
+          <p:cNvSpPr/>
+          <p:nvPr/>
+        </p:nvSpPr>
+        <p:spPr>
+          <a:xfrm>
+            <a:off x="1071562" y="4597284"/>
+            <a:ext cx="6096000" cy="646331"/>
+          </a:xfrm>
+          <a:prstGeom prst="rect">
+            <a:avLst/>
+          </a:prstGeom>
+        </p:spPr>
+        <p:txBody>
+          <a:bodyPr>
+            <a:spAutoFit/>
+          </a:bodyPr>
+          <a:lstStyle/>
+          <a:p>
+            <a:r>
+              <a:rPr lang="en-US" dirty="0"/>
+              <a:t>ALT cells as function of ALT strain, day=60</a:t>
+            </a:r>
+          </a:p>
+          <a:p>
+            <a:r>
+              <a:rPr lang="en-US" dirty="0"/>
+              <a:t>DE1-BS11    0.026893</a:t>
+            </a:r>
+            <a:endParaRPr lang="LID4096" dirty="0"/>
+          </a:p>
+        </p:txBody>
+      </p:sp>
+      <p:sp>
+        <p:nvSpPr>
+          <p:cNvPr id="5" name="Rectangle 4">
+            <a:extLst>
+              <a:ext uri="{FF2B5EF4-FFF2-40B4-BE49-F238E27FC236}">
+                <a16:creationId xmlns:a16="http://schemas.microsoft.com/office/drawing/2014/main" id="{C42161E2-CB51-4A12-B7B0-0D53FA1DAB38}"/>
+              </a:ext>
+            </a:extLst>
+          </p:cNvPr>
+          <p:cNvSpPr/>
+          <p:nvPr/>
+        </p:nvSpPr>
+        <p:spPr>
+          <a:xfrm>
+            <a:off x="1071562" y="5351634"/>
+            <a:ext cx="4175567" cy="369332"/>
+          </a:xfrm>
+          <a:prstGeom prst="rect">
+            <a:avLst/>
+          </a:prstGeom>
+        </p:spPr>
+        <p:txBody>
+          <a:bodyPr wrap="none">
+            <a:spAutoFit/>
+          </a:bodyPr>
+          <a:lstStyle/>
+          <a:p>
+            <a:r>
+              <a:rPr lang="en-US" dirty="0"/>
+              <a:t>ALT cells as function of ALT strain, day=100</a:t>
+            </a:r>
+            <a:endParaRPr lang="LID4096" dirty="0"/>
+          </a:p>
+        </p:txBody>
+      </p:sp>
+      <p:sp>
+        <p:nvSpPr>
+          <p:cNvPr id="7" name="Rectangle 6">
+            <a:extLst>
+              <a:ext uri="{FF2B5EF4-FFF2-40B4-BE49-F238E27FC236}">
+                <a16:creationId xmlns:a16="http://schemas.microsoft.com/office/drawing/2014/main" id="{29362F90-86A4-41AC-BC27-18EE9180AB0F}"/>
+              </a:ext>
+            </a:extLst>
+          </p:cNvPr>
+          <p:cNvSpPr/>
+          <p:nvPr/>
+        </p:nvSpPr>
+        <p:spPr>
+          <a:xfrm>
+            <a:off x="6607945" y="4595935"/>
+            <a:ext cx="4418121" cy="923330"/>
+          </a:xfrm>
+          <a:prstGeom prst="rect">
+            <a:avLst/>
+          </a:prstGeom>
+        </p:spPr>
+        <p:txBody>
+          <a:bodyPr wrap="square">
+            <a:spAutoFit/>
+          </a:bodyPr>
+          <a:lstStyle/>
+          <a:p>
+            <a:r>
+              <a:rPr lang="en-US" dirty="0"/>
+              <a:t>ALT cells as function of ALT strain, day=140</a:t>
+            </a:r>
+          </a:p>
+          <a:p>
+            <a:r>
+              <a:rPr lang="en-US" dirty="0"/>
+              <a:t>DE-ATCC    0.015878</a:t>
+            </a:r>
+          </a:p>
+          <a:p>
+            <a:r>
+              <a:rPr lang="en-US" dirty="0"/>
+              <a:t>DE-BS11    0.001400</a:t>
+            </a:r>
+            <a:endParaRPr lang="LID4096" dirty="0"/>
+          </a:p>
+        </p:txBody>
+      </p:sp>
     </p:spTree>
     <p:extLst>
       <p:ext uri="{BB962C8B-B14F-4D97-AF65-F5344CB8AC3E}">
-        <p14:creationId xmlns:p14="http://schemas.microsoft.com/office/powerpoint/2010/main" val="2417273976"/>
+        <p14:creationId xmlns:p14="http://schemas.microsoft.com/office/powerpoint/2010/main" val="434632749"/>
       </p:ext>
     </p:extLst>
   </p:cSld>
@@ -5202,50 +6633,12 @@
           <a:chExt cx="0" cy="0"/>
         </a:xfrm>
       </p:grpSpPr>
-      <p:sp>
-        <p:nvSpPr>
-          <p:cNvPr id="2" name="TextBox 1">
-            <a:extLst>
-              <a:ext uri="{FF2B5EF4-FFF2-40B4-BE49-F238E27FC236}">
-                <a16:creationId xmlns:a16="http://schemas.microsoft.com/office/drawing/2014/main" id="{11914E11-5CD3-4B95-BAFB-0D519DC2CF73}"/>
-              </a:ext>
-            </a:extLst>
-          </p:cNvPr>
-          <p:cNvSpPr txBox="1"/>
-          <p:nvPr/>
-        </p:nvSpPr>
-        <p:spPr>
-          <a:xfrm>
-            <a:off x="594804" y="1793289"/>
-            <a:ext cx="3904530" cy="646331"/>
-          </a:xfrm>
-          <a:prstGeom prst="rect">
-            <a:avLst/>
-          </a:prstGeom>
-          <a:noFill/>
-        </p:spPr>
-        <p:txBody>
-          <a:bodyPr wrap="none" rtlCol="0">
-            <a:spAutoFit/>
-          </a:bodyPr>
-          <a:lstStyle/>
-          <a:p>
-            <a:r>
-              <a:rPr lang="en-US" dirty="0"/>
-              <a:t>Exponential vs harmonic – cell numbers</a:t>
-            </a:r>
-          </a:p>
-          <a:p>
-            <a:endParaRPr lang="LID4096" dirty="0"/>
-          </a:p>
-        </p:txBody>
-      </p:sp>
       <p:pic>
         <p:nvPicPr>
-          <p:cNvPr id="12292" name="Picture 4">
+          <p:cNvPr id="5122" name="Picture 2">
             <a:extLst>
               <a:ext uri="{FF2B5EF4-FFF2-40B4-BE49-F238E27FC236}">
-                <a16:creationId xmlns:a16="http://schemas.microsoft.com/office/drawing/2014/main" id="{2073FBE6-C0D6-4457-826E-8C46F6AD8277}"/>
+                <a16:creationId xmlns:a16="http://schemas.microsoft.com/office/drawing/2014/main" id="{A5D9F453-25BD-4836-B22D-877AC5551297}"/>
               </a:ext>
             </a:extLst>
           </p:cNvPr>
@@ -5269,8 +6662,8 @@
         </p:blipFill>
         <p:spPr bwMode="auto">
           <a:xfrm>
-            <a:off x="4891496" y="403502"/>
-            <a:ext cx="7238559" cy="2389302"/>
+            <a:off x="1071562" y="426638"/>
+            <a:ext cx="10048875" cy="3838575"/>
           </a:xfrm>
           <a:prstGeom prst="rect">
             <a:avLst/>
@@ -5287,178 +6680,187 @@
           </a:extLst>
         </p:spPr>
       </p:pic>
-      <p:pic>
-        <p:nvPicPr>
-          <p:cNvPr id="12296" name="Picture 8">
+      <p:sp>
+        <p:nvSpPr>
+          <p:cNvPr id="3" name="Rectangle 2">
             <a:extLst>
               <a:ext uri="{FF2B5EF4-FFF2-40B4-BE49-F238E27FC236}">
-                <a16:creationId xmlns:a16="http://schemas.microsoft.com/office/drawing/2014/main" id="{F52323F6-A41E-4867-8AC8-7DDE2033F6D4}"/>
+                <a16:creationId xmlns:a16="http://schemas.microsoft.com/office/drawing/2014/main" id="{5AA466CE-8C0C-4B8E-B7F4-0FA93CE01D60}"/>
               </a:ext>
             </a:extLst>
           </p:cNvPr>
-          <p:cNvPicPr>
-            <a:picLocks noChangeAspect="1" noChangeArrowheads="1"/>
-          </p:cNvPicPr>
+          <p:cNvSpPr/>
           <p:nvPr/>
-        </p:nvPicPr>
-        <p:blipFill>
-          <a:blip r:embed="rId3">
-            <a:extLst>
-              <a:ext uri="{28A0092B-C50C-407E-A947-70E740481C1C}">
-                <a14:useLocalDpi xmlns:a14="http://schemas.microsoft.com/office/drawing/2010/main" val="0"/>
-              </a:ext>
-            </a:extLst>
-          </a:blip>
-          <a:srcRect/>
-          <a:stretch>
-            <a:fillRect/>
-          </a:stretch>
-        </p:blipFill>
-        <p:spPr bwMode="auto">
-          <a:xfrm>
-            <a:off x="5590466" y="4693097"/>
-            <a:ext cx="5635253" cy="1761401"/>
+        </p:nvSpPr>
+        <p:spPr>
+          <a:xfrm>
+            <a:off x="419887" y="4368216"/>
+            <a:ext cx="4107726" cy="1754326"/>
           </a:xfrm>
           <a:prstGeom prst="rect">
             <a:avLst/>
           </a:prstGeom>
-          <a:noFill/>
-          <a:extLst>
-            <a:ext uri="{909E8E84-426E-40DD-AFC4-6F175D3DCCD1}">
-              <a14:hiddenFill xmlns:a14="http://schemas.microsoft.com/office/drawing/2010/main">
-                <a:solidFill>
-                  <a:srgbClr val="FFFFFF"/>
-                </a:solidFill>
-              </a14:hiddenFill>
-            </a:ext>
-          </a:extLst>
-        </p:spPr>
-      </p:pic>
-      <p:sp>
-        <p:nvSpPr>
-          <p:cNvPr id="3" name="TextBox 2">
+        </p:spPr>
+        <p:txBody>
+          <a:bodyPr wrap="square">
+            <a:spAutoFit/>
+          </a:bodyPr>
+          <a:lstStyle/>
+          <a:p>
+            <a:r>
+              <a:rPr lang="en-US" dirty="0"/>
+              <a:t>PRO cells as function of PRO strain, day=60</a:t>
+            </a:r>
+          </a:p>
+          <a:p>
+            <a:r>
+              <a:rPr lang="en-US" dirty="0"/>
+              <a:t>Natl2A-MED4       3.651113e-04</a:t>
+            </a:r>
+          </a:p>
+          <a:p>
+            <a:r>
+              <a:rPr lang="en-US" dirty="0"/>
+              <a:t>Natl2A-MIT0604    3.004083e-03</a:t>
+            </a:r>
+          </a:p>
+          <a:p>
+            <a:r>
+              <a:rPr lang="en-US" dirty="0"/>
+              <a:t>Natl2A-MIT9312    1.138943e-04</a:t>
+            </a:r>
+          </a:p>
+          <a:p>
+            <a:r>
+              <a:rPr lang="en-US" dirty="0"/>
+              <a:t>Natl2A-MIT9313    3.337528e-07</a:t>
+            </a:r>
+            <a:endParaRPr lang="LID4096" dirty="0"/>
+          </a:p>
+        </p:txBody>
+      </p:sp>
+      <p:sp>
+        <p:nvSpPr>
+          <p:cNvPr id="7" name="Rectangle 6">
             <a:extLst>
               <a:ext uri="{FF2B5EF4-FFF2-40B4-BE49-F238E27FC236}">
-                <a16:creationId xmlns:a16="http://schemas.microsoft.com/office/drawing/2014/main" id="{7DB9F836-12FA-45B2-A33F-91C24C59DC43}"/>
+                <a16:creationId xmlns:a16="http://schemas.microsoft.com/office/drawing/2014/main" id="{5FAC4114-0127-483B-80AC-9F3AC47CB2C4}"/>
               </a:ext>
             </a:extLst>
           </p:cNvPr>
-          <p:cNvSpPr txBox="1"/>
+          <p:cNvSpPr/>
           <p:nvPr/>
         </p:nvSpPr>
         <p:spPr>
           <a:xfrm>
-            <a:off x="9708204" y="6361889"/>
-            <a:ext cx="1432893" cy="369332"/>
+            <a:off x="4367813" y="4471219"/>
+            <a:ext cx="3648723" cy="1754326"/>
           </a:xfrm>
           <a:prstGeom prst="rect">
             <a:avLst/>
           </a:prstGeom>
-          <a:noFill/>
-        </p:spPr>
-        <p:txBody>
-          <a:bodyPr wrap="none" rtlCol="0">
+        </p:spPr>
+        <p:txBody>
+          <a:bodyPr wrap="square">
             <a:spAutoFit/>
           </a:bodyPr>
           <a:lstStyle/>
           <a:p>
             <a:r>
               <a:rPr lang="en-US" dirty="0"/>
-              <a:t>Experiment 1</a:t>
+              <a:t>PRO cells as function of PRO strain, day=100</a:t>
+            </a:r>
+          </a:p>
+          <a:p>
+            <a:r>
+              <a:rPr lang="en-US" dirty="0"/>
+              <a:t>MIT0604-MED4       7.931135e-03</a:t>
+            </a:r>
+          </a:p>
+          <a:p>
+            <a:r>
+              <a:rPr lang="en-US" dirty="0"/>
+              <a:t>MIT9313-MED4       4.218253e-07</a:t>
+            </a:r>
+          </a:p>
+          <a:p>
+            <a:r>
+              <a:rPr lang="en-US" dirty="0"/>
+              <a:t>MIT9313-MIT9312    7.736621e-04</a:t>
+            </a:r>
+          </a:p>
+          <a:p>
+            <a:r>
+              <a:rPr lang="en-US" dirty="0"/>
+              <a:t>Natl2A-MIT9313     2.501980e-05</a:t>
             </a:r>
             <a:endParaRPr lang="LID4096" dirty="0"/>
           </a:p>
         </p:txBody>
       </p:sp>
-      <p:pic>
-        <p:nvPicPr>
-          <p:cNvPr id="12298" name="Picture 10">
+      <p:sp>
+        <p:nvSpPr>
+          <p:cNvPr id="9" name="Rectangle 8">
             <a:extLst>
               <a:ext uri="{FF2B5EF4-FFF2-40B4-BE49-F238E27FC236}">
-                <a16:creationId xmlns:a16="http://schemas.microsoft.com/office/drawing/2014/main" id="{FBD9F129-452C-4634-A81E-D0C00653D95D}"/>
+                <a16:creationId xmlns:a16="http://schemas.microsoft.com/office/drawing/2014/main" id="{73DB22D6-B13D-492F-84F0-FF51D95A8893}"/>
               </a:ext>
             </a:extLst>
           </p:cNvPr>
-          <p:cNvPicPr>
-            <a:picLocks noChangeAspect="1" noChangeArrowheads="1"/>
-          </p:cNvPicPr>
+          <p:cNvSpPr/>
           <p:nvPr/>
-        </p:nvPicPr>
-        <p:blipFill>
-          <a:blip r:embed="rId4" cstate="print">
-            <a:extLst>
-              <a:ext uri="{28A0092B-C50C-407E-A947-70E740481C1C}">
-                <a14:useLocalDpi xmlns:a14="http://schemas.microsoft.com/office/drawing/2010/main" val="0"/>
-              </a:ext>
-            </a:extLst>
-          </a:blip>
-          <a:srcRect/>
-          <a:stretch>
-            <a:fillRect/>
-          </a:stretch>
-        </p:blipFill>
-        <p:spPr bwMode="auto">
-          <a:xfrm>
-            <a:off x="690664" y="5016481"/>
-            <a:ext cx="3570051" cy="1326816"/>
+        </p:nvSpPr>
+        <p:spPr>
+          <a:xfrm>
+            <a:off x="8016536" y="4506715"/>
+            <a:ext cx="3755577" cy="1754326"/>
           </a:xfrm>
           <a:prstGeom prst="rect">
             <a:avLst/>
           </a:prstGeom>
-          <a:noFill/>
-          <a:extLst>
-            <a:ext uri="{909E8E84-426E-40DD-AFC4-6F175D3DCCD1}">
-              <a14:hiddenFill xmlns:a14="http://schemas.microsoft.com/office/drawing/2010/main">
-                <a:solidFill>
-                  <a:srgbClr val="FFFFFF"/>
-                </a:solidFill>
-              </a14:hiddenFill>
-            </a:ext>
-          </a:extLst>
-        </p:spPr>
-      </p:pic>
-      <p:sp>
-        <p:nvSpPr>
-          <p:cNvPr id="4" name="TextBox 3">
-            <a:extLst>
-              <a:ext uri="{FF2B5EF4-FFF2-40B4-BE49-F238E27FC236}">
-                <a16:creationId xmlns:a16="http://schemas.microsoft.com/office/drawing/2014/main" id="{D6C4011F-58E9-456F-9051-D8F3F33E5A72}"/>
-              </a:ext>
-            </a:extLst>
-          </p:cNvPr>
-          <p:cNvSpPr txBox="1"/>
-          <p:nvPr/>
-        </p:nvSpPr>
-        <p:spPr>
-          <a:xfrm>
-            <a:off x="11422810" y="1336543"/>
-            <a:ext cx="707245" cy="261610"/>
-          </a:xfrm>
-          <a:prstGeom prst="rect">
-            <a:avLst/>
-          </a:prstGeom>
-          <a:solidFill>
-            <a:schemeClr val="bg1"/>
-          </a:solidFill>
-        </p:spPr>
-        <p:txBody>
-          <a:bodyPr wrap="none" rtlCol="0">
+        </p:spPr>
+        <p:txBody>
+          <a:bodyPr wrap="square">
             <a:spAutoFit/>
           </a:bodyPr>
           <a:lstStyle/>
           <a:p>
             <a:r>
-              <a:rPr lang="en-US" sz="1100" dirty="0"/>
-              <a:t>PRO cells</a:t>
-            </a:r>
-            <a:endParaRPr lang="LID4096" sz="1100" dirty="0"/>
+              <a:rPr lang="de-DE" dirty="0"/>
+              <a:t>PRO cells as function of PRO strain, day=140</a:t>
+            </a:r>
+          </a:p>
+          <a:p>
+            <a:r>
+              <a:rPr lang="de-DE" dirty="0"/>
+              <a:t>MIT0604-MED4       7.503304e-08</a:t>
+            </a:r>
+          </a:p>
+          <a:p>
+            <a:r>
+              <a:rPr lang="de-DE" dirty="0"/>
+              <a:t>MIT9312-MIT0604    4.592467e-08</a:t>
+            </a:r>
+          </a:p>
+          <a:p>
+            <a:r>
+              <a:rPr lang="de-DE" dirty="0"/>
+              <a:t>MIT9313-MIT0604    1.271490e-07</a:t>
+            </a:r>
+          </a:p>
+          <a:p>
+            <a:r>
+              <a:rPr lang="de-DE" dirty="0"/>
+              <a:t>Natl2A-MIT0604     2.728215e-03</a:t>
+            </a:r>
+            <a:endParaRPr lang="LID4096" dirty="0"/>
           </a:p>
         </p:txBody>
       </p:sp>
     </p:spTree>
     <p:extLst>
       <p:ext uri="{BB962C8B-B14F-4D97-AF65-F5344CB8AC3E}">
-        <p14:creationId xmlns:p14="http://schemas.microsoft.com/office/powerpoint/2010/main" val="1859210319"/>
+        <p14:creationId xmlns:p14="http://schemas.microsoft.com/office/powerpoint/2010/main" val="3789739658"/>
       </p:ext>
     </p:extLst>
   </p:cSld>
